--- a/Internet_app_design/tcp-ip期末專題.pptx
+++ b/Internet_app_design/tcp-ip期末專題.pptx
@@ -122,369 +122,155 @@
 <file path=ppt/changesInfos/changesInfo1.xml><?xml version="1.0" encoding="utf-8"?>
 <pc:chgInfo xmlns:a="http://schemas.openxmlformats.org/drawingml/2006/main" xmlns:r="http://schemas.openxmlformats.org/officeDocument/2006/relationships" xmlns:ac="http://schemas.microsoft.com/office/drawing/2013/main/command" xmlns:pc="http://schemas.microsoft.com/office/powerpoint/2013/main/command">
   <pc:docChgLst>
-    <pc:chgData userId="16f573a368a04bbe" providerId="LiveId" clId="{A43655FD-37A1-4472-8163-33528CE554C6}"/>
-    <pc:docChg chg="undo redo custSel addSld modSld sldOrd">
-      <pc:chgData name="" userId="16f573a368a04bbe" providerId="LiveId" clId="{A43655FD-37A1-4472-8163-33528CE554C6}" dt="2024-01-10T16:20:48.128" v="1607" actId="20577"/>
+    <pc:chgData name="黃 敬霖" userId="16f573a368a04bbe" providerId="Windows Live" clId="Web-{D0212CCA-7303-4392-AA44-EFAE0578BF89}"/>
+    <pc:docChg chg="modSld">
+      <pc:chgData name="黃 敬霖" userId="16f573a368a04bbe" providerId="Windows Live" clId="Web-{D0212CCA-7303-4392-AA44-EFAE0578BF89}" dt="2023-12-05T15:44:22.911" v="161"/>
       <pc:docMkLst>
         <pc:docMk/>
       </pc:docMkLst>
-      <pc:sldChg chg="addSp delSp modSp add">
-        <pc:chgData name="" userId="16f573a368a04bbe" providerId="LiveId" clId="{A43655FD-37A1-4472-8163-33528CE554C6}" dt="2024-01-10T14:04:05.710" v="771" actId="20577"/>
+      <pc:sldChg chg="addSp delSp modSp">
+        <pc:chgData name="黃 敬霖" userId="16f573a368a04bbe" providerId="Windows Live" clId="Web-{D0212CCA-7303-4392-AA44-EFAE0578BF89}" dt="2023-12-05T15:44:22.911" v="161"/>
+        <pc:sldMkLst>
+          <pc:docMk/>
+          <pc:sldMk cId="1816999769" sldId="257"/>
+        </pc:sldMkLst>
+        <pc:spChg chg="del">
+          <ac:chgData name="黃 敬霖" userId="16f573a368a04bbe" providerId="Windows Live" clId="Web-{D0212CCA-7303-4392-AA44-EFAE0578BF89}" dt="2023-12-05T15:39:51.468" v="0"/>
+          <ac:spMkLst>
+            <pc:docMk/>
+            <pc:sldMk cId="1816999769" sldId="257"/>
+            <ac:spMk id="3" creationId="{0DA8C217-AA04-4238-8DBE-884F06DCFEFD}"/>
+          </ac:spMkLst>
+        </pc:spChg>
+        <pc:spChg chg="add del mod">
+          <ac:chgData name="黃 敬霖" userId="16f573a368a04bbe" providerId="Windows Live" clId="Web-{D0212CCA-7303-4392-AA44-EFAE0578BF89}" dt="2023-12-05T15:44:22.911" v="161"/>
+          <ac:spMkLst>
+            <pc:docMk/>
+            <pc:sldMk cId="1816999769" sldId="257"/>
+            <ac:spMk id="4" creationId="{1098D408-9A88-ADBE-B156-15955C04CFE1}"/>
+          </ac:spMkLst>
+        </pc:spChg>
+      </pc:sldChg>
+    </pc:docChg>
+  </pc:docChgLst>
+  <pc:docChgLst>
+    <pc:chgData name="Li Lun Yang" userId="cd9e4155bdfeb2cf" providerId="LiveId" clId="{7D54F857-1BF0-459D-9660-CC0D5A0EED32}"/>
+    <pc:docChg chg="undo custSel modSld">
+      <pc:chgData name="Li Lun Yang" userId="cd9e4155bdfeb2cf" providerId="LiveId" clId="{7D54F857-1BF0-459D-9660-CC0D5A0EED32}" dt="2023-12-05T17:24:24.281" v="339" actId="1076"/>
+      <pc:docMkLst>
+        <pc:docMk/>
+      </pc:docMkLst>
+      <pc:sldChg chg="addSp modSp mod">
+        <pc:chgData name="Li Lun Yang" userId="cd9e4155bdfeb2cf" providerId="LiveId" clId="{7D54F857-1BF0-459D-9660-CC0D5A0EED32}" dt="2023-12-05T17:24:24.281" v="339" actId="1076"/>
         <pc:sldMkLst>
           <pc:docMk/>
           <pc:sldMk cId="919894225" sldId="256"/>
         </pc:sldMkLst>
         <pc:spChg chg="mod">
-          <ac:chgData name="" userId="16f573a368a04bbe" providerId="LiveId" clId="{A43655FD-37A1-4472-8163-33528CE554C6}" dt="2024-01-10T14:04:05.710" v="771" actId="20577"/>
+          <ac:chgData name="Li Lun Yang" userId="cd9e4155bdfeb2cf" providerId="LiveId" clId="{7D54F857-1BF0-459D-9660-CC0D5A0EED32}" dt="2023-12-05T15:51:27.005" v="6" actId="1076"/>
           <ac:spMkLst>
             <pc:docMk/>
             <pc:sldMk cId="919894225" sldId="256"/>
             <ac:spMk id="2" creationId="{38FE2C35-CCCF-4A9D-B54E-3C63379ABBA7}"/>
           </ac:spMkLst>
         </pc:spChg>
-        <pc:spChg chg="del">
-          <ac:chgData name="" userId="16f573a368a04bbe" providerId="LiveId" clId="{A43655FD-37A1-4472-8163-33528CE554C6}" dt="2023-12-05T15:30:34.138" v="69" actId="478"/>
+        <pc:spChg chg="add mod">
+          <ac:chgData name="Li Lun Yang" userId="cd9e4155bdfeb2cf" providerId="LiveId" clId="{7D54F857-1BF0-459D-9660-CC0D5A0EED32}" dt="2023-12-05T17:24:24.281" v="339" actId="1076"/>
           <ac:spMkLst>
             <pc:docMk/>
             <pc:sldMk cId="919894225" sldId="256"/>
-            <ac:spMk id="3" creationId="{65E731AB-85E0-4BCC-BA82-AEDA11E299A4}"/>
-          </ac:spMkLst>
-        </pc:spChg>
-        <pc:spChg chg="add mod">
-          <ac:chgData name="" userId="16f573a368a04bbe" providerId="LiveId" clId="{A43655FD-37A1-4472-8163-33528CE554C6}" dt="2023-12-06T14:29:30.563" v="692" actId="14100"/>
-          <ac:spMkLst>
-            <pc:docMk/>
-            <pc:sldMk cId="919894225" sldId="256"/>
-            <ac:spMk id="4" creationId="{D0D26FE0-F8C6-48E1-A0CA-D2DDBE1706E8}"/>
+            <ac:spMk id="3" creationId="{BF11DAF0-D5B0-025F-572E-1254B3E53349}"/>
           </ac:spMkLst>
         </pc:spChg>
       </pc:sldChg>
-      <pc:sldChg chg="addSp modSp add ord">
-        <pc:chgData name="" userId="16f573a368a04bbe" providerId="LiveId" clId="{A43655FD-37A1-4472-8163-33528CE554C6}" dt="2024-01-10T16:20:48.128" v="1607" actId="20577"/>
-        <pc:sldMkLst>
-          <pc:docMk/>
-          <pc:sldMk cId="1816999769" sldId="257"/>
-        </pc:sldMkLst>
-        <pc:spChg chg="mod">
-          <ac:chgData name="" userId="16f573a368a04bbe" providerId="LiveId" clId="{A43655FD-37A1-4472-8163-33528CE554C6}" dt="2024-01-10T15:42:08.851" v="1308" actId="20577"/>
-          <ac:spMkLst>
-            <pc:docMk/>
-            <pc:sldMk cId="1816999769" sldId="257"/>
-            <ac:spMk id="2" creationId="{A7389E9D-0C52-4270-B6CB-34438B74B500}"/>
-          </ac:spMkLst>
-        </pc:spChg>
-        <pc:spChg chg="add mod">
-          <ac:chgData name="" userId="16f573a368a04bbe" providerId="LiveId" clId="{A43655FD-37A1-4472-8163-33528CE554C6}" dt="2024-01-10T16:20:48.128" v="1607" actId="20577"/>
-          <ac:spMkLst>
-            <pc:docMk/>
-            <pc:sldMk cId="1816999769" sldId="257"/>
-            <ac:spMk id="3" creationId="{8B0DCFB9-1D20-4CC0-BAEE-8F0B9849EC6A}"/>
-          </ac:spMkLst>
-        </pc:spChg>
-        <pc:spChg chg="add">
-          <ac:chgData name="" userId="16f573a368a04bbe" providerId="LiveId" clId="{A43655FD-37A1-4472-8163-33528CE554C6}" dt="2023-12-06T14:29:34.217" v="693"/>
-          <ac:spMkLst>
-            <pc:docMk/>
-            <pc:sldMk cId="1816999769" sldId="257"/>
-            <ac:spMk id="4" creationId="{6634E43B-3826-4435-B19B-B9E988AE38F6}"/>
-          </ac:spMkLst>
-        </pc:spChg>
-      </pc:sldChg>
-      <pc:sldChg chg="addSp delSp modSp add">
-        <pc:chgData name="" userId="16f573a368a04bbe" providerId="LiveId" clId="{A43655FD-37A1-4472-8163-33528CE554C6}" dt="2024-01-10T15:20:00.557" v="901" actId="14100"/>
-        <pc:sldMkLst>
-          <pc:docMk/>
-          <pc:sldMk cId="4122639925" sldId="258"/>
-        </pc:sldMkLst>
-        <pc:spChg chg="mod">
-          <ac:chgData name="" userId="16f573a368a04bbe" providerId="LiveId" clId="{A43655FD-37A1-4472-8163-33528CE554C6}" dt="2023-12-05T15:30:04.260" v="60" actId="20577"/>
-          <ac:spMkLst>
-            <pc:docMk/>
-            <pc:sldMk cId="4122639925" sldId="258"/>
-            <ac:spMk id="2" creationId="{A7389E9D-0C52-4270-B6CB-34438B74B500}"/>
-          </ac:spMkLst>
-        </pc:spChg>
-        <pc:spChg chg="add">
-          <ac:chgData name="" userId="16f573a368a04bbe" providerId="LiveId" clId="{A43655FD-37A1-4472-8163-33528CE554C6}" dt="2023-12-06T14:29:35.365" v="694"/>
-          <ac:spMkLst>
-            <pc:docMk/>
-            <pc:sldMk cId="4122639925" sldId="258"/>
-            <ac:spMk id="11" creationId="{87714AEF-3B70-4DBB-BFEF-AE6902FE4250}"/>
-          </ac:spMkLst>
-        </pc:spChg>
-        <pc:spChg chg="add del mod">
-          <ac:chgData name="" userId="16f573a368a04bbe" providerId="LiveId" clId="{A43655FD-37A1-4472-8163-33528CE554C6}" dt="2024-01-10T15:15:10.071" v="845" actId="478"/>
-          <ac:spMkLst>
-            <pc:docMk/>
-            <pc:sldMk cId="4122639925" sldId="258"/>
-            <ac:spMk id="23" creationId="{7527CED9-A08C-491A-A695-3E8468F67C3D}"/>
-          </ac:spMkLst>
-        </pc:spChg>
-        <pc:spChg chg="add del mod">
-          <ac:chgData name="" userId="16f573a368a04bbe" providerId="LiveId" clId="{A43655FD-37A1-4472-8163-33528CE554C6}" dt="2024-01-10T15:15:05.805" v="844" actId="478"/>
-          <ac:spMkLst>
-            <pc:docMk/>
-            <pc:sldMk cId="4122639925" sldId="258"/>
-            <ac:spMk id="24" creationId="{3EA4CF36-81EF-4C50-9EC0-246E85F81972}"/>
-          </ac:spMkLst>
-        </pc:spChg>
-        <pc:picChg chg="mod">
-          <ac:chgData name="" userId="16f573a368a04bbe" providerId="LiveId" clId="{A43655FD-37A1-4472-8163-33528CE554C6}" dt="2024-01-10T15:17:26.223" v="858" actId="1076"/>
-          <ac:picMkLst>
-            <pc:docMk/>
-            <pc:sldMk cId="4122639925" sldId="258"/>
-            <ac:picMk id="4" creationId="{16A18DCC-DA56-D2A5-BF8E-4B10DB349069}"/>
-          </ac:picMkLst>
-        </pc:picChg>
-        <pc:picChg chg="add del mod ord">
-          <ac:chgData name="" userId="16f573a368a04bbe" providerId="LiveId" clId="{A43655FD-37A1-4472-8163-33528CE554C6}" dt="2024-01-10T15:13:08.827" v="821" actId="478"/>
-          <ac:picMkLst>
-            <pc:docMk/>
-            <pc:sldMk cId="4122639925" sldId="258"/>
-            <ac:picMk id="5" creationId="{8198F2F8-6BAC-4620-8F84-53FC71132645}"/>
-          </ac:picMkLst>
-        </pc:picChg>
-        <pc:picChg chg="del">
-          <ac:chgData name="" userId="16f573a368a04bbe" providerId="LiveId" clId="{A43655FD-37A1-4472-8163-33528CE554C6}" dt="2024-01-10T15:08:42.087" v="810" actId="478"/>
-          <ac:picMkLst>
-            <pc:docMk/>
-            <pc:sldMk cId="4122639925" sldId="258"/>
-            <ac:picMk id="12" creationId="{1F8A2899-8E91-A8C1-CB0B-C906D69B50AD}"/>
-          </ac:picMkLst>
-        </pc:picChg>
-        <pc:picChg chg="add mod ord">
-          <ac:chgData name="" userId="16f573a368a04bbe" providerId="LiveId" clId="{A43655FD-37A1-4472-8163-33528CE554C6}" dt="2024-01-10T15:17:32.875" v="860" actId="1076"/>
-          <ac:picMkLst>
-            <pc:docMk/>
-            <pc:sldMk cId="4122639925" sldId="258"/>
-            <ac:picMk id="19" creationId="{A1C42FC2-E2D9-4CFB-924D-E659F22AE017}"/>
-          </ac:picMkLst>
-        </pc:picChg>
-        <pc:cxnChg chg="mod">
-          <ac:chgData name="" userId="16f573a368a04bbe" providerId="LiveId" clId="{A43655FD-37A1-4472-8163-33528CE554C6}" dt="2024-01-10T15:17:50.531" v="865" actId="14100"/>
-          <ac:cxnSpMkLst>
-            <pc:docMk/>
-            <pc:sldMk cId="4122639925" sldId="258"/>
-            <ac:cxnSpMk id="7" creationId="{4DF0E82E-D4A6-9FFB-0A43-437AA3811A0F}"/>
-          </ac:cxnSpMkLst>
-        </pc:cxnChg>
-        <pc:cxnChg chg="del mod">
-          <ac:chgData name="" userId="16f573a368a04bbe" providerId="LiveId" clId="{A43655FD-37A1-4472-8163-33528CE554C6}" dt="2024-01-10T15:18:05.213" v="872" actId="478"/>
-          <ac:cxnSpMkLst>
-            <pc:docMk/>
-            <pc:sldMk cId="4122639925" sldId="258"/>
-            <ac:cxnSpMk id="8" creationId="{EE8FBA76-A36F-855E-F565-C08099E96680}"/>
-          </ac:cxnSpMkLst>
-        </pc:cxnChg>
-        <pc:cxnChg chg="mod">
-          <ac:chgData name="" userId="16f573a368a04bbe" providerId="LiveId" clId="{A43655FD-37A1-4472-8163-33528CE554C6}" dt="2024-01-10T15:17:52.758" v="866" actId="14100"/>
-          <ac:cxnSpMkLst>
-            <pc:docMk/>
-            <pc:sldMk cId="4122639925" sldId="258"/>
-            <ac:cxnSpMk id="9" creationId="{EF55D198-7B30-833D-1990-5548CE05CD24}"/>
-          </ac:cxnSpMkLst>
-        </pc:cxnChg>
-        <pc:cxnChg chg="del mod">
-          <ac:chgData name="" userId="16f573a368a04bbe" providerId="LiveId" clId="{A43655FD-37A1-4472-8163-33528CE554C6}" dt="2024-01-10T15:18:06.174" v="873" actId="478"/>
-          <ac:cxnSpMkLst>
-            <pc:docMk/>
-            <pc:sldMk cId="4122639925" sldId="258"/>
-            <ac:cxnSpMk id="10" creationId="{30FA4E2E-EA70-2EC1-312E-A48D11F280B6}"/>
-          </ac:cxnSpMkLst>
-        </pc:cxnChg>
-        <pc:cxnChg chg="add del mod">
-          <ac:chgData name="" userId="16f573a368a04bbe" providerId="LiveId" clId="{A43655FD-37A1-4472-8163-33528CE554C6}" dt="2023-12-06T16:28:24.609" v="761"/>
-          <ac:cxnSpMkLst>
-            <pc:docMk/>
-            <pc:sldMk cId="4122639925" sldId="258"/>
-            <ac:cxnSpMk id="13" creationId="{1A36BC76-B3E0-4083-964E-DF0C54B1F516}"/>
-          </ac:cxnSpMkLst>
-        </pc:cxnChg>
-        <pc:cxnChg chg="add del mod">
-          <ac:chgData name="" userId="16f573a368a04bbe" providerId="LiveId" clId="{A43655FD-37A1-4472-8163-33528CE554C6}" dt="2023-12-06T16:28:21.751" v="753"/>
-          <ac:cxnSpMkLst>
-            <pc:docMk/>
-            <pc:sldMk cId="4122639925" sldId="258"/>
-            <ac:cxnSpMk id="18" creationId="{BF87CAB3-3F3A-4EE2-81B3-367DDB4AA0FA}"/>
-          </ac:cxnSpMkLst>
-        </pc:cxnChg>
-        <pc:cxnChg chg="add del mod">
-          <ac:chgData name="" userId="16f573a368a04bbe" providerId="LiveId" clId="{A43655FD-37A1-4472-8163-33528CE554C6}" dt="2024-01-10T15:13:39.819" v="829" actId="478"/>
-          <ac:cxnSpMkLst>
-            <pc:docMk/>
-            <pc:sldMk cId="4122639925" sldId="258"/>
-            <ac:cxnSpMk id="21" creationId="{E1352B66-C216-4B4F-B0A3-F64F17CBE58D}"/>
-          </ac:cxnSpMkLst>
-        </pc:cxnChg>
-        <pc:cxnChg chg="add mod">
-          <ac:chgData name="" userId="16f573a368a04bbe" providerId="LiveId" clId="{A43655FD-37A1-4472-8163-33528CE554C6}" dt="2024-01-10T15:20:00.557" v="901" actId="14100"/>
-          <ac:cxnSpMkLst>
-            <pc:docMk/>
-            <pc:sldMk cId="4122639925" sldId="258"/>
-            <ac:cxnSpMk id="38" creationId="{C8A011FF-9268-40CE-AE65-661323BE5C41}"/>
-          </ac:cxnSpMkLst>
-        </pc:cxnChg>
-        <pc:cxnChg chg="add del mod">
-          <ac:chgData name="" userId="16f573a368a04bbe" providerId="LiveId" clId="{A43655FD-37A1-4472-8163-33528CE554C6}" dt="2024-01-10T15:19:25.600" v="891" actId="478"/>
-          <ac:cxnSpMkLst>
-            <pc:docMk/>
-            <pc:sldMk cId="4122639925" sldId="258"/>
-            <ac:cxnSpMk id="42" creationId="{016EE8DE-B571-4920-9B51-B16B21255A15}"/>
-          </ac:cxnSpMkLst>
-        </pc:cxnChg>
-      </pc:sldChg>
-      <pc:sldChg chg="addSp delSp modSp add">
-        <pc:chgData name="" userId="16f573a368a04bbe" providerId="LiveId" clId="{A43655FD-37A1-4472-8163-33528CE554C6}" dt="2024-01-10T15:37:20.122" v="1032" actId="478"/>
+      <pc:sldChg chg="addSp delSp modSp mod">
+        <pc:chgData name="Li Lun Yang" userId="cd9e4155bdfeb2cf" providerId="LiveId" clId="{7D54F857-1BF0-459D-9660-CC0D5A0EED32}" dt="2023-12-05T16:31:56.898" v="334" actId="1076"/>
         <pc:sldMkLst>
           <pc:docMk/>
           <pc:sldMk cId="2159839041" sldId="259"/>
         </pc:sldMkLst>
-        <pc:spChg chg="mod">
-          <ac:chgData name="" userId="16f573a368a04bbe" providerId="LiveId" clId="{A43655FD-37A1-4472-8163-33528CE554C6}" dt="2024-01-10T15:21:20.050" v="946" actId="20577"/>
+        <pc:spChg chg="del">
+          <ac:chgData name="Li Lun Yang" userId="cd9e4155bdfeb2cf" providerId="LiveId" clId="{7D54F857-1BF0-459D-9660-CC0D5A0EED32}" dt="2023-12-05T16:01:32.947" v="202"/>
           <ac:spMkLst>
             <pc:docMk/>
             <pc:sldMk cId="2159839041" sldId="259"/>
-            <ac:spMk id="2" creationId="{A7389E9D-0C52-4270-B6CB-34438B74B500}"/>
+            <ac:spMk id="3" creationId="{0DA8C217-AA04-4238-8DBE-884F06DCFEFD}"/>
           </ac:spMkLst>
         </pc:spChg>
-        <pc:spChg chg="del mod ord">
-          <ac:chgData name="" userId="16f573a368a04bbe" providerId="LiveId" clId="{A43655FD-37A1-4472-8163-33528CE554C6}" dt="2024-01-10T15:20:47.710" v="908" actId="478"/>
+        <pc:spChg chg="add mod">
+          <ac:chgData name="Li Lun Yang" userId="cd9e4155bdfeb2cf" providerId="LiveId" clId="{7D54F857-1BF0-459D-9660-CC0D5A0EED32}" dt="2023-12-05T16:19:36.838" v="281" actId="113"/>
           <ac:spMkLst>
             <pc:docMk/>
             <pc:sldMk cId="2159839041" sldId="259"/>
             <ac:spMk id="6" creationId="{F1F01338-BFA3-8CDA-9AC8-0B973DFBE38F}"/>
           </ac:spMkLst>
         </pc:spChg>
-        <pc:spChg chg="del">
-          <ac:chgData name="" userId="16f573a368a04bbe" providerId="LiveId" clId="{A43655FD-37A1-4472-8163-33528CE554C6}" dt="2024-01-10T15:20:29.696" v="904" actId="478"/>
+        <pc:spChg chg="add del mod">
+          <ac:chgData name="Li Lun Yang" userId="cd9e4155bdfeb2cf" providerId="LiveId" clId="{7D54F857-1BF0-459D-9660-CC0D5A0EED32}" dt="2023-12-05T16:19:01.436" v="273" actId="478"/>
           <ac:spMkLst>
             <pc:docMk/>
             <pc:sldMk cId="2159839041" sldId="259"/>
-            <ac:spMk id="9" creationId="{333F7509-58AC-B9D0-53F9-60B77D8AEE81}"/>
+            <ac:spMk id="16" creationId="{D5F72D1E-E595-91AC-B9B8-97E6595624B9}"/>
           </ac:spMkLst>
         </pc:spChg>
-        <pc:spChg chg="del">
-          <ac:chgData name="" userId="16f573a368a04bbe" providerId="LiveId" clId="{A43655FD-37A1-4472-8163-33528CE554C6}" dt="2024-01-10T15:20:34.005" v="905" actId="478"/>
+        <pc:spChg chg="add mod">
+          <ac:chgData name="Li Lun Yang" userId="cd9e4155bdfeb2cf" providerId="LiveId" clId="{7D54F857-1BF0-459D-9660-CC0D5A0EED32}" dt="2023-12-05T16:26:22.803" v="306" actId="1076"/>
           <ac:spMkLst>
             <pc:docMk/>
             <pc:sldMk cId="2159839041" sldId="259"/>
-            <ac:spMk id="10" creationId="{1222317F-ECF4-0468-5C40-604AFE29EA4E}"/>
+            <ac:spMk id="20" creationId="{95DD9DDA-7709-B3BF-C307-0E3165386AD2}"/>
           </ac:spMkLst>
         </pc:spChg>
-        <pc:spChg chg="del mod">
-          <ac:chgData name="" userId="16f573a368a04bbe" providerId="LiveId" clId="{A43655FD-37A1-4472-8163-33528CE554C6}" dt="2024-01-10T15:20:29.696" v="904" actId="478"/>
-          <ac:spMkLst>
-            <pc:docMk/>
-            <pc:sldMk cId="2159839041" sldId="259"/>
-            <ac:spMk id="11" creationId="{DFE27909-BA3F-FB62-1DCD-3208DAC02BDD}"/>
-          </ac:spMkLst>
-        </pc:spChg>
-        <pc:spChg chg="del mod">
-          <ac:chgData name="" userId="16f573a368a04bbe" providerId="LiveId" clId="{A43655FD-37A1-4472-8163-33528CE554C6}" dt="2024-01-10T15:20:34.005" v="905" actId="478"/>
-          <ac:spMkLst>
-            <pc:docMk/>
-            <pc:sldMk cId="2159839041" sldId="259"/>
-            <ac:spMk id="12" creationId="{14E3078F-E041-1761-F5A7-986352583EA0}"/>
-          </ac:spMkLst>
-        </pc:spChg>
-        <pc:spChg chg="del mod">
-          <ac:chgData name="" userId="16f573a368a04bbe" providerId="LiveId" clId="{A43655FD-37A1-4472-8163-33528CE554C6}" dt="2024-01-10T15:20:29.696" v="904" actId="478"/>
-          <ac:spMkLst>
-            <pc:docMk/>
-            <pc:sldMk cId="2159839041" sldId="259"/>
-            <ac:spMk id="13" creationId="{12BA05C1-9CAD-6171-5DB8-C6CA24F51B13}"/>
-          </ac:spMkLst>
-        </pc:spChg>
-        <pc:spChg chg="del mod">
-          <ac:chgData name="" userId="16f573a368a04bbe" providerId="LiveId" clId="{A43655FD-37A1-4472-8163-33528CE554C6}" dt="2024-01-10T15:20:34.005" v="905" actId="478"/>
-          <ac:spMkLst>
-            <pc:docMk/>
-            <pc:sldMk cId="2159839041" sldId="259"/>
-            <ac:spMk id="15" creationId="{1C108DEB-F854-54B8-D2B3-39EF8C90FCF9}"/>
-          </ac:spMkLst>
-        </pc:spChg>
-        <pc:spChg chg="add del mod">
-          <ac:chgData name="" userId="16f573a368a04bbe" providerId="LiveId" clId="{A43655FD-37A1-4472-8163-33528CE554C6}" dt="2024-01-10T15:20:29.696" v="904" actId="478"/>
-          <ac:spMkLst>
-            <pc:docMk/>
-            <pc:sldMk cId="2159839041" sldId="259"/>
-            <ac:spMk id="19" creationId="{4EE460D0-3587-46CB-84D6-67CC0D2734E6}"/>
-          </ac:spMkLst>
-        </pc:spChg>
-        <pc:spChg chg="del">
-          <ac:chgData name="" userId="16f573a368a04bbe" providerId="LiveId" clId="{A43655FD-37A1-4472-8163-33528CE554C6}" dt="2024-01-10T15:35:15.189" v="1016" actId="478"/>
+        <pc:spChg chg="add mod">
+          <ac:chgData name="Li Lun Yang" userId="cd9e4155bdfeb2cf" providerId="LiveId" clId="{7D54F857-1BF0-459D-9660-CC0D5A0EED32}" dt="2023-12-05T16:26:33.611" v="312" actId="20577"/>
           <ac:spMkLst>
             <pc:docMk/>
             <pc:sldMk cId="2159839041" sldId="259"/>
             <ac:spMk id="21" creationId="{EF59332B-F65A-57AD-21EE-E2818B235EB5}"/>
           </ac:spMkLst>
         </pc:spChg>
-        <pc:spChg chg="add del mod">
-          <ac:chgData name="" userId="16f573a368a04bbe" providerId="LiveId" clId="{A43655FD-37A1-4472-8163-33528CE554C6}" dt="2024-01-10T15:20:34.005" v="905" actId="478"/>
-          <ac:spMkLst>
+        <pc:picChg chg="add del mod">
+          <ac:chgData name="Li Lun Yang" userId="cd9e4155bdfeb2cf" providerId="LiveId" clId="{7D54F857-1BF0-459D-9660-CC0D5A0EED32}" dt="2023-12-05T16:18:56.524" v="272" actId="478"/>
+          <ac:picMkLst>
             <pc:docMk/>
             <pc:sldMk cId="2159839041" sldId="259"/>
-            <ac:spMk id="24" creationId="{C021A95C-DB8A-40F7-9AC9-F9BC1F4308E9}"/>
-          </ac:spMkLst>
-        </pc:spChg>
-        <pc:spChg chg="add mod">
-          <ac:chgData name="" userId="16f573a368a04bbe" providerId="LiveId" clId="{A43655FD-37A1-4472-8163-33528CE554C6}" dt="2024-01-10T15:20:16.018" v="903" actId="1076"/>
-          <ac:spMkLst>
-            <pc:docMk/>
-            <pc:sldMk cId="2159839041" sldId="259"/>
-            <ac:spMk id="25" creationId="{886E6B23-4CE9-4A70-A003-EFAB0547F04D}"/>
-          </ac:spMkLst>
-        </pc:spChg>
-        <pc:spChg chg="add">
-          <ac:chgData name="" userId="16f573a368a04bbe" providerId="LiveId" clId="{A43655FD-37A1-4472-8163-33528CE554C6}" dt="2024-01-10T15:35:09.039" v="1013"/>
-          <ac:spMkLst>
-            <pc:docMk/>
-            <pc:sldMk cId="2159839041" sldId="259"/>
-            <ac:spMk id="28" creationId="{E7EBB894-D68A-4599-B544-D82ADB830B12}"/>
-          </ac:spMkLst>
-        </pc:spChg>
-        <pc:picChg chg="add mod ord">
-          <ac:chgData name="" userId="16f573a368a04bbe" providerId="LiveId" clId="{A43655FD-37A1-4472-8163-33528CE554C6}" dt="2024-01-10T15:24:08.603" v="963" actId="1037"/>
-          <ac:picMkLst>
-            <pc:docMk/>
-            <pc:sldMk cId="2159839041" sldId="259"/>
-            <ac:picMk id="3" creationId="{A2642B08-3487-424A-B58C-FFF4F678BEE6}"/>
+            <ac:picMk id="5" creationId="{A28B5E0B-1EEB-880C-28A6-DAC13A972377}"/>
           </ac:picMkLst>
         </pc:picChg>
-        <pc:picChg chg="del mod">
-          <ac:chgData name="" userId="16f573a368a04bbe" providerId="LiveId" clId="{A43655FD-37A1-4472-8163-33528CE554C6}" dt="2024-01-10T15:20:29.696" v="904" actId="478"/>
+        <pc:picChg chg="add del mod">
+          <ac:chgData name="Li Lun Yang" userId="cd9e4155bdfeb2cf" providerId="LiveId" clId="{7D54F857-1BF0-459D-9660-CC0D5A0EED32}" dt="2023-12-05T16:14:04.367" v="249" actId="478"/>
           <ac:picMkLst>
             <pc:docMk/>
             <pc:sldMk cId="2159839041" sldId="259"/>
-            <ac:picMk id="7" creationId="{EE4AC8BA-BAE5-3DCF-14F9-486B12AF29D0}"/>
+            <ac:picMk id="8" creationId="{A4D101F3-A81C-2BB6-3D3A-4B90EDC190FE}"/>
           </ac:picMkLst>
         </pc:picChg>
-        <pc:picChg chg="add mod ord">
-          <ac:chgData name="" userId="16f573a368a04bbe" providerId="LiveId" clId="{A43655FD-37A1-4472-8163-33528CE554C6}" dt="2024-01-10T15:24:43.428" v="968" actId="167"/>
+        <pc:picChg chg="add del mod">
+          <ac:chgData name="Li Lun Yang" userId="cd9e4155bdfeb2cf" providerId="LiveId" clId="{7D54F857-1BF0-459D-9660-CC0D5A0EED32}" dt="2023-12-05T16:14:13.903" v="254" actId="478"/>
           <ac:picMkLst>
             <pc:docMk/>
             <pc:sldMk cId="2159839041" sldId="259"/>
-            <ac:picMk id="8" creationId="{53FD3A71-6DAF-4036-9F49-BDF0EF4913FF}"/>
+            <ac:picMk id="10" creationId="{1BC2A247-4506-0D0C-4A34-DF60BD039952}"/>
           </ac:picMkLst>
         </pc:picChg>
-        <pc:picChg chg="del">
-          <ac:chgData name="" userId="16f573a368a04bbe" providerId="LiveId" clId="{A43655FD-37A1-4472-8163-33528CE554C6}" dt="2024-01-10T15:20:29.696" v="904" actId="478"/>
+        <pc:picChg chg="add del mod">
+          <ac:chgData name="Li Lun Yang" userId="cd9e4155bdfeb2cf" providerId="LiveId" clId="{7D54F857-1BF0-459D-9660-CC0D5A0EED32}" dt="2023-12-05T16:18:45.771" v="266" actId="478"/>
+          <ac:picMkLst>
+            <pc:docMk/>
+            <pc:sldMk cId="2159839041" sldId="259"/>
+            <ac:picMk id="12" creationId="{65264F76-EA1F-4935-B64C-60590F51B272}"/>
+          </ac:picMkLst>
+        </pc:picChg>
+        <pc:picChg chg="add mod">
+          <ac:chgData name="Li Lun Yang" userId="cd9e4155bdfeb2cf" providerId="LiveId" clId="{7D54F857-1BF0-459D-9660-CC0D5A0EED32}" dt="2023-12-05T16:19:17.684" v="277" actId="1076"/>
           <ac:picMkLst>
             <pc:docMk/>
             <pc:sldMk cId="2159839041" sldId="259"/>
             <ac:picMk id="14" creationId="{702498BA-B109-9181-2782-E61DB06D1751}"/>
           </ac:picMkLst>
         </pc:picChg>
-        <pc:picChg chg="add del">
-          <ac:chgData name="" userId="16f573a368a04bbe" providerId="LiveId" clId="{A43655FD-37A1-4472-8163-33528CE554C6}" dt="2024-01-10T15:37:20.122" v="1032" actId="478"/>
-          <ac:picMkLst>
-            <pc:docMk/>
-            <pc:sldMk cId="2159839041" sldId="259"/>
-            <ac:picMk id="16" creationId="{8C3EFC9B-2232-427D-ABAC-DA202138F91E}"/>
-          </ac:picMkLst>
-        </pc:picChg>
-        <pc:picChg chg="del">
-          <ac:chgData name="" userId="16f573a368a04bbe" providerId="LiveId" clId="{A43655FD-37A1-4472-8163-33528CE554C6}" dt="2024-01-10T15:20:34.005" v="905" actId="478"/>
+        <pc:picChg chg="add mod">
+          <ac:chgData name="Li Lun Yang" userId="cd9e4155bdfeb2cf" providerId="LiveId" clId="{7D54F857-1BF0-459D-9660-CC0D5A0EED32}" dt="2023-12-05T16:19:17.684" v="277" actId="1076"/>
           <ac:picMkLst>
             <pc:docMk/>
             <pc:sldMk cId="2159839041" sldId="259"/>
@@ -492,249 +278,21 @@
           </ac:picMkLst>
         </pc:picChg>
         <pc:picChg chg="add del mod">
-          <ac:chgData name="" userId="16f573a368a04bbe" providerId="LiveId" clId="{A43655FD-37A1-4472-8163-33528CE554C6}" dt="2024-01-10T15:20:29.696" v="904" actId="478"/>
+          <ac:chgData name="Li Lun Yang" userId="cd9e4155bdfeb2cf" providerId="LiveId" clId="{7D54F857-1BF0-459D-9660-CC0D5A0EED32}" dt="2023-12-05T16:26:52.754" v="313" actId="478"/>
           <ac:picMkLst>
             <pc:docMk/>
             <pc:sldMk cId="2159839041" sldId="259"/>
-            <ac:picMk id="18" creationId="{476A561A-5864-4E14-B7C6-BD32017DDA8E}"/>
+            <ac:picMk id="19" creationId="{0C181EF9-A7FA-0794-5791-30060E29ACA1}"/>
           </ac:picMkLst>
         </pc:picChg>
-        <pc:picChg chg="add del mod">
-          <ac:chgData name="" userId="16f573a368a04bbe" providerId="LiveId" clId="{A43655FD-37A1-4472-8163-33528CE554C6}" dt="2024-01-10T15:20:34.005" v="905" actId="478"/>
-          <ac:picMkLst>
-            <pc:docMk/>
-            <pc:sldMk cId="2159839041" sldId="259"/>
-            <ac:picMk id="22" creationId="{10AB5D39-6323-4127-9CB0-0802AF034B71}"/>
-          </ac:picMkLst>
-        </pc:picChg>
-        <pc:picChg chg="del">
-          <ac:chgData name="" userId="16f573a368a04bbe" providerId="LiveId" clId="{A43655FD-37A1-4472-8163-33528CE554C6}" dt="2024-01-10T15:20:34.005" v="905" actId="478"/>
+        <pc:picChg chg="add mod">
+          <ac:chgData name="Li Lun Yang" userId="cd9e4155bdfeb2cf" providerId="LiveId" clId="{7D54F857-1BF0-459D-9660-CC0D5A0EED32}" dt="2023-12-05T16:31:56.898" v="334" actId="1076"/>
           <ac:picMkLst>
             <pc:docMk/>
             <pc:sldMk cId="2159839041" sldId="259"/>
             <ac:picMk id="23" creationId="{7967381C-FCA2-4E6D-D25B-56CEEC2A6D9F}"/>
           </ac:picMkLst>
         </pc:picChg>
-        <pc:cxnChg chg="add del">
-          <ac:chgData name="" userId="16f573a368a04bbe" providerId="LiveId" clId="{A43655FD-37A1-4472-8163-33528CE554C6}" dt="2024-01-10T15:23:17.829" v="948"/>
-          <ac:cxnSpMkLst>
-            <pc:docMk/>
-            <pc:sldMk cId="2159839041" sldId="259"/>
-            <ac:cxnSpMk id="26" creationId="{85426A31-711D-4812-9A4D-C0BEEB954A24}"/>
-          </ac:cxnSpMkLst>
-        </pc:cxnChg>
-        <pc:cxnChg chg="add del">
-          <ac:chgData name="" userId="16f573a368a04bbe" providerId="LiveId" clId="{A43655FD-37A1-4472-8163-33528CE554C6}" dt="2024-01-10T15:23:24.407" v="950" actId="478"/>
-          <ac:cxnSpMkLst>
-            <pc:docMk/>
-            <pc:sldMk cId="2159839041" sldId="259"/>
-            <ac:cxnSpMk id="27" creationId="{D174BD63-8781-475E-B855-EBDE62810928}"/>
-          </ac:cxnSpMkLst>
-        </pc:cxnChg>
-      </pc:sldChg>
-      <pc:sldChg chg="addSp delSp modSp add">
-        <pc:chgData name="" userId="16f573a368a04bbe" providerId="LiveId" clId="{A43655FD-37A1-4472-8163-33528CE554C6}" dt="2024-01-10T15:35:02.874" v="1011" actId="1076"/>
-        <pc:sldMkLst>
-          <pc:docMk/>
-          <pc:sldMk cId="911098629" sldId="260"/>
-        </pc:sldMkLst>
-        <pc:spChg chg="mod">
-          <ac:chgData name="" userId="16f573a368a04bbe" providerId="LiveId" clId="{A43655FD-37A1-4472-8163-33528CE554C6}" dt="2024-01-10T15:35:02.874" v="1011" actId="1076"/>
-          <ac:spMkLst>
-            <pc:docMk/>
-            <pc:sldMk cId="911098629" sldId="260"/>
-            <ac:spMk id="21" creationId="{EF59332B-F65A-57AD-21EE-E2818B235EB5}"/>
-          </ac:spMkLst>
-        </pc:spChg>
-        <pc:picChg chg="del">
-          <ac:chgData name="" userId="16f573a368a04bbe" providerId="LiveId" clId="{A43655FD-37A1-4472-8163-33528CE554C6}" dt="2024-01-10T15:30:13.883" v="976" actId="478"/>
-          <ac:picMkLst>
-            <pc:docMk/>
-            <pc:sldMk cId="911098629" sldId="260"/>
-            <ac:picMk id="3" creationId="{A2642B08-3487-424A-B58C-FFF4F678BEE6}"/>
-          </ac:picMkLst>
-        </pc:picChg>
-        <pc:picChg chg="add del mod modCrop">
-          <ac:chgData name="" userId="16f573a368a04bbe" providerId="LiveId" clId="{A43655FD-37A1-4472-8163-33528CE554C6}" dt="2024-01-10T15:30:31.139" v="983" actId="478"/>
-          <ac:picMkLst>
-            <pc:docMk/>
-            <pc:sldMk cId="911098629" sldId="260"/>
-            <ac:picMk id="6" creationId="{D3D88949-95BA-49FB-9415-714A2F3AB1B5}"/>
-          </ac:picMkLst>
-        </pc:picChg>
-        <pc:picChg chg="add del">
-          <ac:chgData name="" userId="16f573a368a04bbe" providerId="LiveId" clId="{A43655FD-37A1-4472-8163-33528CE554C6}" dt="2024-01-10T15:30:45.821" v="985" actId="478"/>
-          <ac:picMkLst>
-            <pc:docMk/>
-            <pc:sldMk cId="911098629" sldId="260"/>
-            <ac:picMk id="7" creationId="{BB7A66C8-87D2-4CF0-AC32-21082419B1A6}"/>
-          </ac:picMkLst>
-        </pc:picChg>
-        <pc:picChg chg="del">
-          <ac:chgData name="" userId="16f573a368a04bbe" providerId="LiveId" clId="{A43655FD-37A1-4472-8163-33528CE554C6}" dt="2024-01-10T15:32:39.139" v="999" actId="478"/>
-          <ac:picMkLst>
-            <pc:docMk/>
-            <pc:sldMk cId="911098629" sldId="260"/>
-            <ac:picMk id="8" creationId="{53FD3A71-6DAF-4036-9F49-BDF0EF4913FF}"/>
-          </ac:picMkLst>
-        </pc:picChg>
-        <pc:picChg chg="add del">
-          <ac:chgData name="" userId="16f573a368a04bbe" providerId="LiveId" clId="{A43655FD-37A1-4472-8163-33528CE554C6}" dt="2024-01-10T15:30:54.168" v="987" actId="478"/>
-          <ac:picMkLst>
-            <pc:docMk/>
-            <pc:sldMk cId="911098629" sldId="260"/>
-            <ac:picMk id="9" creationId="{767BD029-8BD6-4A1C-9311-BE60C6F31A98}"/>
-          </ac:picMkLst>
-        </pc:picChg>
-        <pc:picChg chg="add del">
-          <ac:chgData name="" userId="16f573a368a04bbe" providerId="LiveId" clId="{A43655FD-37A1-4472-8163-33528CE554C6}" dt="2024-01-10T15:31:10.889" v="989"/>
-          <ac:picMkLst>
-            <pc:docMk/>
-            <pc:sldMk cId="911098629" sldId="260"/>
-            <ac:picMk id="10" creationId="{4640E4E9-4D8E-423E-A830-A473612DBBC6}"/>
-          </ac:picMkLst>
-        </pc:picChg>
-        <pc:picChg chg="add del">
-          <ac:chgData name="" userId="16f573a368a04bbe" providerId="LiveId" clId="{A43655FD-37A1-4472-8163-33528CE554C6}" dt="2024-01-10T15:31:14.996" v="991" actId="478"/>
-          <ac:picMkLst>
-            <pc:docMk/>
-            <pc:sldMk cId="911098629" sldId="260"/>
-            <ac:picMk id="11" creationId="{29A7180C-22DB-4CBA-975B-E4441CA63314}"/>
-          </ac:picMkLst>
-        </pc:picChg>
-        <pc:picChg chg="add mod ord">
-          <ac:chgData name="" userId="16f573a368a04bbe" providerId="LiveId" clId="{A43655FD-37A1-4472-8163-33528CE554C6}" dt="2024-01-10T15:31:53.162" v="998" actId="167"/>
-          <ac:picMkLst>
-            <pc:docMk/>
-            <pc:sldMk cId="911098629" sldId="260"/>
-            <ac:picMk id="12" creationId="{D287E201-654E-4961-9FD1-0070DA53B4CC}"/>
-          </ac:picMkLst>
-        </pc:picChg>
-        <pc:picChg chg="add del">
-          <ac:chgData name="" userId="16f573a368a04bbe" providerId="LiveId" clId="{A43655FD-37A1-4472-8163-33528CE554C6}" dt="2024-01-10T15:32:41.456" v="1001" actId="478"/>
-          <ac:picMkLst>
-            <pc:docMk/>
-            <pc:sldMk cId="911098629" sldId="260"/>
-            <ac:picMk id="13" creationId="{674BA1A8-CB1D-4903-87F7-08B1682ED503}"/>
-          </ac:picMkLst>
-        </pc:picChg>
-        <pc:picChg chg="add mod ord">
-          <ac:chgData name="" userId="16f573a368a04bbe" providerId="LiveId" clId="{A43655FD-37A1-4472-8163-33528CE554C6}" dt="2024-01-10T15:33:09.795" v="1009" actId="167"/>
-          <ac:picMkLst>
-            <pc:docMk/>
-            <pc:sldMk cId="911098629" sldId="260"/>
-            <ac:picMk id="14" creationId="{606B8CE2-E87A-460D-973C-ED16ADFF1833}"/>
-          </ac:picMkLst>
-        </pc:picChg>
-      </pc:sldChg>
-      <pc:sldChg chg="addSp delSp modSp add">
-        <pc:chgData name="" userId="16f573a368a04bbe" providerId="LiveId" clId="{A43655FD-37A1-4472-8163-33528CE554C6}" dt="2024-01-10T15:35:59.234" v="1029" actId="167"/>
-        <pc:sldMkLst>
-          <pc:docMk/>
-          <pc:sldMk cId="2265956620" sldId="261"/>
-        </pc:sldMkLst>
-        <pc:spChg chg="add">
-          <ac:chgData name="" userId="16f573a368a04bbe" providerId="LiveId" clId="{A43655FD-37A1-4472-8163-33528CE554C6}" dt="2024-01-10T15:35:08.001" v="1012"/>
-          <ac:spMkLst>
-            <pc:docMk/>
-            <pc:sldMk cId="2265956620" sldId="261"/>
-            <ac:spMk id="10" creationId="{91048FEF-0C66-4EF4-872D-2163083CC330}"/>
-          </ac:spMkLst>
-        </pc:spChg>
-        <pc:spChg chg="del mod">
-          <ac:chgData name="" userId="16f573a368a04bbe" providerId="LiveId" clId="{A43655FD-37A1-4472-8163-33528CE554C6}" dt="2024-01-10T15:35:12.487" v="1015" actId="478"/>
-          <ac:spMkLst>
-            <pc:docMk/>
-            <pc:sldMk cId="2265956620" sldId="261"/>
-            <ac:spMk id="21" creationId="{EF59332B-F65A-57AD-21EE-E2818B235EB5}"/>
-          </ac:spMkLst>
-        </pc:spChg>
-        <pc:picChg chg="add mod ord">
-          <ac:chgData name="" userId="16f573a368a04bbe" providerId="LiveId" clId="{A43655FD-37A1-4472-8163-33528CE554C6}" dt="2024-01-10T15:35:42.382" v="1023" actId="167"/>
-          <ac:picMkLst>
-            <pc:docMk/>
-            <pc:sldMk cId="2265956620" sldId="261"/>
-            <ac:picMk id="3" creationId="{9B22ABCD-05C7-493D-80D6-39ED24718B63}"/>
-          </ac:picMkLst>
-        </pc:picChg>
-        <pc:picChg chg="add mod ord">
-          <ac:chgData name="" userId="16f573a368a04bbe" providerId="LiveId" clId="{A43655FD-37A1-4472-8163-33528CE554C6}" dt="2024-01-10T15:35:59.234" v="1029" actId="167"/>
-          <ac:picMkLst>
-            <pc:docMk/>
-            <pc:sldMk cId="2265956620" sldId="261"/>
-            <ac:picMk id="6" creationId="{E3E788E0-357F-4895-B521-C4CD79F81A17}"/>
-          </ac:picMkLst>
-        </pc:picChg>
-        <pc:picChg chg="del">
-          <ac:chgData name="" userId="16f573a368a04bbe" providerId="LiveId" clId="{A43655FD-37A1-4472-8163-33528CE554C6}" dt="2024-01-10T15:35:30.107" v="1017" actId="478"/>
-          <ac:picMkLst>
-            <pc:docMk/>
-            <pc:sldMk cId="2265956620" sldId="261"/>
-            <ac:picMk id="12" creationId="{D287E201-654E-4961-9FD1-0070DA53B4CC}"/>
-          </ac:picMkLst>
-        </pc:picChg>
-        <pc:picChg chg="del">
-          <ac:chgData name="" userId="16f573a368a04bbe" providerId="LiveId" clId="{A43655FD-37A1-4472-8163-33528CE554C6}" dt="2024-01-10T15:35:44.390" v="1024" actId="478"/>
-          <ac:picMkLst>
-            <pc:docMk/>
-            <pc:sldMk cId="2265956620" sldId="261"/>
-            <ac:picMk id="14" creationId="{606B8CE2-E87A-460D-973C-ED16ADFF1833}"/>
-          </ac:picMkLst>
-        </pc:picChg>
-      </pc:sldChg>
-      <pc:sldChg chg="addSp delSp modSp add">
-        <pc:chgData name="" userId="16f573a368a04bbe" providerId="LiveId" clId="{A43655FD-37A1-4472-8163-33528CE554C6}" dt="2024-01-10T15:37:37.468" v="1041" actId="167"/>
-        <pc:sldMkLst>
-          <pc:docMk/>
-          <pc:sldMk cId="1155915326" sldId="262"/>
-        </pc:sldMkLst>
-        <pc:picChg chg="del">
-          <ac:chgData name="" userId="16f573a368a04bbe" providerId="LiveId" clId="{A43655FD-37A1-4472-8163-33528CE554C6}" dt="2024-01-10T15:37:22.806" v="1033" actId="478"/>
-          <ac:picMkLst>
-            <pc:docMk/>
-            <pc:sldMk cId="1155915326" sldId="262"/>
-            <ac:picMk id="3" creationId="{A2642B08-3487-424A-B58C-FFF4F678BEE6}"/>
-          </ac:picMkLst>
-        </pc:picChg>
-        <pc:picChg chg="del">
-          <ac:chgData name="" userId="16f573a368a04bbe" providerId="LiveId" clId="{A43655FD-37A1-4472-8163-33528CE554C6}" dt="2024-01-10T15:37:29.720" v="1037" actId="478"/>
-          <ac:picMkLst>
-            <pc:docMk/>
-            <pc:sldMk cId="1155915326" sldId="262"/>
-            <ac:picMk id="8" creationId="{53FD3A71-6DAF-4036-9F49-BDF0EF4913FF}"/>
-          </ac:picMkLst>
-        </pc:picChg>
-        <pc:picChg chg="add mod ord">
-          <ac:chgData name="" userId="16f573a368a04bbe" providerId="LiveId" clId="{A43655FD-37A1-4472-8163-33528CE554C6}" dt="2024-01-10T15:37:37.468" v="1041" actId="167"/>
-          <ac:picMkLst>
-            <pc:docMk/>
-            <pc:sldMk cId="1155915326" sldId="262"/>
-            <ac:picMk id="11" creationId="{0F634D7F-DC7B-4A58-AC4C-9F7DED4F375E}"/>
-          </ac:picMkLst>
-        </pc:picChg>
-        <pc:picChg chg="mod ord">
-          <ac:chgData name="" userId="16f573a368a04bbe" providerId="LiveId" clId="{A43655FD-37A1-4472-8163-33528CE554C6}" dt="2024-01-10T15:37:35.747" v="1040" actId="167"/>
-          <ac:picMkLst>
-            <pc:docMk/>
-            <pc:sldMk cId="1155915326" sldId="262"/>
-            <ac:picMk id="16" creationId="{8C3EFC9B-2232-427D-ABAC-DA202138F91E}"/>
-          </ac:picMkLst>
-        </pc:picChg>
-      </pc:sldChg>
-      <pc:sldChg chg="modSp add">
-        <pc:chgData name="" userId="16f573a368a04bbe" providerId="LiveId" clId="{A43655FD-37A1-4472-8163-33528CE554C6}" dt="2024-01-10T16:09:28.744" v="1548" actId="20577"/>
-        <pc:sldMkLst>
-          <pc:docMk/>
-          <pc:sldMk cId="3550106951" sldId="263"/>
-        </pc:sldMkLst>
-        <pc:spChg chg="mod">
-          <ac:chgData name="" userId="16f573a368a04bbe" providerId="LiveId" clId="{A43655FD-37A1-4472-8163-33528CE554C6}" dt="2024-01-10T16:09:28.744" v="1548" actId="20577"/>
-          <ac:spMkLst>
-            <pc:docMk/>
-            <pc:sldMk cId="3550106951" sldId="263"/>
-            <ac:spMk id="3" creationId="{8B0DCFB9-1D20-4CC0-BAEE-8F0B9849EC6A}"/>
-          </ac:spMkLst>
-        </pc:spChg>
       </pc:sldChg>
     </pc:docChg>
   </pc:docChgLst>
@@ -1024,123 +582,369 @@
     </pc:docChg>
   </pc:docChgLst>
   <pc:docChgLst>
-    <pc:chgData name="Li Lun Yang" userId="cd9e4155bdfeb2cf" providerId="LiveId" clId="{7D54F857-1BF0-459D-9660-CC0D5A0EED32}"/>
-    <pc:docChg chg="undo custSel modSld">
-      <pc:chgData name="Li Lun Yang" userId="cd9e4155bdfeb2cf" providerId="LiveId" clId="{7D54F857-1BF0-459D-9660-CC0D5A0EED32}" dt="2023-12-05T17:24:24.281" v="339" actId="1076"/>
+    <pc:chgData userId="16f573a368a04bbe" providerId="LiveId" clId="{A43655FD-37A1-4472-8163-33528CE554C6}"/>
+    <pc:docChg chg="undo redo custSel addSld modSld sldOrd">
+      <pc:chgData name="" userId="16f573a368a04bbe" providerId="LiveId" clId="{A43655FD-37A1-4472-8163-33528CE554C6}" dt="2024-01-10T16:20:48.128" v="1607" actId="20577"/>
       <pc:docMkLst>
         <pc:docMk/>
       </pc:docMkLst>
-      <pc:sldChg chg="addSp modSp mod">
-        <pc:chgData name="Li Lun Yang" userId="cd9e4155bdfeb2cf" providerId="LiveId" clId="{7D54F857-1BF0-459D-9660-CC0D5A0EED32}" dt="2023-12-05T17:24:24.281" v="339" actId="1076"/>
+      <pc:sldChg chg="addSp delSp modSp add">
+        <pc:chgData name="" userId="16f573a368a04bbe" providerId="LiveId" clId="{A43655FD-37A1-4472-8163-33528CE554C6}" dt="2024-01-10T14:04:05.710" v="771" actId="20577"/>
         <pc:sldMkLst>
           <pc:docMk/>
           <pc:sldMk cId="919894225" sldId="256"/>
         </pc:sldMkLst>
         <pc:spChg chg="mod">
-          <ac:chgData name="Li Lun Yang" userId="cd9e4155bdfeb2cf" providerId="LiveId" clId="{7D54F857-1BF0-459D-9660-CC0D5A0EED32}" dt="2023-12-05T15:51:27.005" v="6" actId="1076"/>
+          <ac:chgData name="" userId="16f573a368a04bbe" providerId="LiveId" clId="{A43655FD-37A1-4472-8163-33528CE554C6}" dt="2024-01-10T14:04:05.710" v="771" actId="20577"/>
           <ac:spMkLst>
             <pc:docMk/>
             <pc:sldMk cId="919894225" sldId="256"/>
             <ac:spMk id="2" creationId="{38FE2C35-CCCF-4A9D-B54E-3C63379ABBA7}"/>
           </ac:spMkLst>
         </pc:spChg>
+        <pc:spChg chg="del">
+          <ac:chgData name="" userId="16f573a368a04bbe" providerId="LiveId" clId="{A43655FD-37A1-4472-8163-33528CE554C6}" dt="2023-12-05T15:30:34.138" v="69" actId="478"/>
+          <ac:spMkLst>
+            <pc:docMk/>
+            <pc:sldMk cId="919894225" sldId="256"/>
+            <ac:spMk id="3" creationId="{65E731AB-85E0-4BCC-BA82-AEDA11E299A4}"/>
+          </ac:spMkLst>
+        </pc:spChg>
         <pc:spChg chg="add mod">
-          <ac:chgData name="Li Lun Yang" userId="cd9e4155bdfeb2cf" providerId="LiveId" clId="{7D54F857-1BF0-459D-9660-CC0D5A0EED32}" dt="2023-12-05T17:24:24.281" v="339" actId="1076"/>
+          <ac:chgData name="" userId="16f573a368a04bbe" providerId="LiveId" clId="{A43655FD-37A1-4472-8163-33528CE554C6}" dt="2023-12-06T14:29:30.563" v="692" actId="14100"/>
           <ac:spMkLst>
             <pc:docMk/>
             <pc:sldMk cId="919894225" sldId="256"/>
-            <ac:spMk id="3" creationId="{BF11DAF0-D5B0-025F-572E-1254B3E53349}"/>
+            <ac:spMk id="4" creationId="{D0D26FE0-F8C6-48E1-A0CA-D2DDBE1706E8}"/>
           </ac:spMkLst>
         </pc:spChg>
       </pc:sldChg>
-      <pc:sldChg chg="addSp delSp modSp mod">
-        <pc:chgData name="Li Lun Yang" userId="cd9e4155bdfeb2cf" providerId="LiveId" clId="{7D54F857-1BF0-459D-9660-CC0D5A0EED32}" dt="2023-12-05T16:31:56.898" v="334" actId="1076"/>
+      <pc:sldChg chg="addSp modSp add ord">
+        <pc:chgData name="" userId="16f573a368a04bbe" providerId="LiveId" clId="{A43655FD-37A1-4472-8163-33528CE554C6}" dt="2024-01-10T16:20:48.128" v="1607" actId="20577"/>
+        <pc:sldMkLst>
+          <pc:docMk/>
+          <pc:sldMk cId="1816999769" sldId="257"/>
+        </pc:sldMkLst>
+        <pc:spChg chg="mod">
+          <ac:chgData name="" userId="16f573a368a04bbe" providerId="LiveId" clId="{A43655FD-37A1-4472-8163-33528CE554C6}" dt="2024-01-10T15:42:08.851" v="1308" actId="20577"/>
+          <ac:spMkLst>
+            <pc:docMk/>
+            <pc:sldMk cId="1816999769" sldId="257"/>
+            <ac:spMk id="2" creationId="{A7389E9D-0C52-4270-B6CB-34438B74B500}"/>
+          </ac:spMkLst>
+        </pc:spChg>
+        <pc:spChg chg="add mod">
+          <ac:chgData name="" userId="16f573a368a04bbe" providerId="LiveId" clId="{A43655FD-37A1-4472-8163-33528CE554C6}" dt="2024-01-10T16:20:48.128" v="1607" actId="20577"/>
+          <ac:spMkLst>
+            <pc:docMk/>
+            <pc:sldMk cId="1816999769" sldId="257"/>
+            <ac:spMk id="3" creationId="{8B0DCFB9-1D20-4CC0-BAEE-8F0B9849EC6A}"/>
+          </ac:spMkLst>
+        </pc:spChg>
+        <pc:spChg chg="add">
+          <ac:chgData name="" userId="16f573a368a04bbe" providerId="LiveId" clId="{A43655FD-37A1-4472-8163-33528CE554C6}" dt="2023-12-06T14:29:34.217" v="693"/>
+          <ac:spMkLst>
+            <pc:docMk/>
+            <pc:sldMk cId="1816999769" sldId="257"/>
+            <ac:spMk id="4" creationId="{6634E43B-3826-4435-B19B-B9E988AE38F6}"/>
+          </ac:spMkLst>
+        </pc:spChg>
+      </pc:sldChg>
+      <pc:sldChg chg="addSp delSp modSp add">
+        <pc:chgData name="" userId="16f573a368a04bbe" providerId="LiveId" clId="{A43655FD-37A1-4472-8163-33528CE554C6}" dt="2024-01-10T15:20:00.557" v="901" actId="14100"/>
+        <pc:sldMkLst>
+          <pc:docMk/>
+          <pc:sldMk cId="4122639925" sldId="258"/>
+        </pc:sldMkLst>
+        <pc:spChg chg="mod">
+          <ac:chgData name="" userId="16f573a368a04bbe" providerId="LiveId" clId="{A43655FD-37A1-4472-8163-33528CE554C6}" dt="2023-12-05T15:30:04.260" v="60" actId="20577"/>
+          <ac:spMkLst>
+            <pc:docMk/>
+            <pc:sldMk cId="4122639925" sldId="258"/>
+            <ac:spMk id="2" creationId="{A7389E9D-0C52-4270-B6CB-34438B74B500}"/>
+          </ac:spMkLst>
+        </pc:spChg>
+        <pc:spChg chg="add">
+          <ac:chgData name="" userId="16f573a368a04bbe" providerId="LiveId" clId="{A43655FD-37A1-4472-8163-33528CE554C6}" dt="2023-12-06T14:29:35.365" v="694"/>
+          <ac:spMkLst>
+            <pc:docMk/>
+            <pc:sldMk cId="4122639925" sldId="258"/>
+            <ac:spMk id="11" creationId="{87714AEF-3B70-4DBB-BFEF-AE6902FE4250}"/>
+          </ac:spMkLst>
+        </pc:spChg>
+        <pc:spChg chg="add del mod">
+          <ac:chgData name="" userId="16f573a368a04bbe" providerId="LiveId" clId="{A43655FD-37A1-4472-8163-33528CE554C6}" dt="2024-01-10T15:15:10.071" v="845" actId="478"/>
+          <ac:spMkLst>
+            <pc:docMk/>
+            <pc:sldMk cId="4122639925" sldId="258"/>
+            <ac:spMk id="23" creationId="{7527CED9-A08C-491A-A695-3E8468F67C3D}"/>
+          </ac:spMkLst>
+        </pc:spChg>
+        <pc:spChg chg="add del mod">
+          <ac:chgData name="" userId="16f573a368a04bbe" providerId="LiveId" clId="{A43655FD-37A1-4472-8163-33528CE554C6}" dt="2024-01-10T15:15:05.805" v="844" actId="478"/>
+          <ac:spMkLst>
+            <pc:docMk/>
+            <pc:sldMk cId="4122639925" sldId="258"/>
+            <ac:spMk id="24" creationId="{3EA4CF36-81EF-4C50-9EC0-246E85F81972}"/>
+          </ac:spMkLst>
+        </pc:spChg>
+        <pc:picChg chg="mod">
+          <ac:chgData name="" userId="16f573a368a04bbe" providerId="LiveId" clId="{A43655FD-37A1-4472-8163-33528CE554C6}" dt="2024-01-10T15:17:26.223" v="858" actId="1076"/>
+          <ac:picMkLst>
+            <pc:docMk/>
+            <pc:sldMk cId="4122639925" sldId="258"/>
+            <ac:picMk id="4" creationId="{16A18DCC-DA56-D2A5-BF8E-4B10DB349069}"/>
+          </ac:picMkLst>
+        </pc:picChg>
+        <pc:picChg chg="add del mod ord">
+          <ac:chgData name="" userId="16f573a368a04bbe" providerId="LiveId" clId="{A43655FD-37A1-4472-8163-33528CE554C6}" dt="2024-01-10T15:13:08.827" v="821" actId="478"/>
+          <ac:picMkLst>
+            <pc:docMk/>
+            <pc:sldMk cId="4122639925" sldId="258"/>
+            <ac:picMk id="5" creationId="{8198F2F8-6BAC-4620-8F84-53FC71132645}"/>
+          </ac:picMkLst>
+        </pc:picChg>
+        <pc:picChg chg="del">
+          <ac:chgData name="" userId="16f573a368a04bbe" providerId="LiveId" clId="{A43655FD-37A1-4472-8163-33528CE554C6}" dt="2024-01-10T15:08:42.087" v="810" actId="478"/>
+          <ac:picMkLst>
+            <pc:docMk/>
+            <pc:sldMk cId="4122639925" sldId="258"/>
+            <ac:picMk id="12" creationId="{1F8A2899-8E91-A8C1-CB0B-C906D69B50AD}"/>
+          </ac:picMkLst>
+        </pc:picChg>
+        <pc:picChg chg="add mod ord">
+          <ac:chgData name="" userId="16f573a368a04bbe" providerId="LiveId" clId="{A43655FD-37A1-4472-8163-33528CE554C6}" dt="2024-01-10T15:17:32.875" v="860" actId="1076"/>
+          <ac:picMkLst>
+            <pc:docMk/>
+            <pc:sldMk cId="4122639925" sldId="258"/>
+            <ac:picMk id="19" creationId="{A1C42FC2-E2D9-4CFB-924D-E659F22AE017}"/>
+          </ac:picMkLst>
+        </pc:picChg>
+        <pc:cxnChg chg="mod">
+          <ac:chgData name="" userId="16f573a368a04bbe" providerId="LiveId" clId="{A43655FD-37A1-4472-8163-33528CE554C6}" dt="2024-01-10T15:17:50.531" v="865" actId="14100"/>
+          <ac:cxnSpMkLst>
+            <pc:docMk/>
+            <pc:sldMk cId="4122639925" sldId="258"/>
+            <ac:cxnSpMk id="7" creationId="{4DF0E82E-D4A6-9FFB-0A43-437AA3811A0F}"/>
+          </ac:cxnSpMkLst>
+        </pc:cxnChg>
+        <pc:cxnChg chg="del mod">
+          <ac:chgData name="" userId="16f573a368a04bbe" providerId="LiveId" clId="{A43655FD-37A1-4472-8163-33528CE554C6}" dt="2024-01-10T15:18:05.213" v="872" actId="478"/>
+          <ac:cxnSpMkLst>
+            <pc:docMk/>
+            <pc:sldMk cId="4122639925" sldId="258"/>
+            <ac:cxnSpMk id="8" creationId="{EE8FBA76-A36F-855E-F565-C08099E96680}"/>
+          </ac:cxnSpMkLst>
+        </pc:cxnChg>
+        <pc:cxnChg chg="mod">
+          <ac:chgData name="" userId="16f573a368a04bbe" providerId="LiveId" clId="{A43655FD-37A1-4472-8163-33528CE554C6}" dt="2024-01-10T15:17:52.758" v="866" actId="14100"/>
+          <ac:cxnSpMkLst>
+            <pc:docMk/>
+            <pc:sldMk cId="4122639925" sldId="258"/>
+            <ac:cxnSpMk id="9" creationId="{EF55D198-7B30-833D-1990-5548CE05CD24}"/>
+          </ac:cxnSpMkLst>
+        </pc:cxnChg>
+        <pc:cxnChg chg="del mod">
+          <ac:chgData name="" userId="16f573a368a04bbe" providerId="LiveId" clId="{A43655FD-37A1-4472-8163-33528CE554C6}" dt="2024-01-10T15:18:06.174" v="873" actId="478"/>
+          <ac:cxnSpMkLst>
+            <pc:docMk/>
+            <pc:sldMk cId="4122639925" sldId="258"/>
+            <ac:cxnSpMk id="10" creationId="{30FA4E2E-EA70-2EC1-312E-A48D11F280B6}"/>
+          </ac:cxnSpMkLst>
+        </pc:cxnChg>
+        <pc:cxnChg chg="add del mod">
+          <ac:chgData name="" userId="16f573a368a04bbe" providerId="LiveId" clId="{A43655FD-37A1-4472-8163-33528CE554C6}" dt="2023-12-06T16:28:24.609" v="761"/>
+          <ac:cxnSpMkLst>
+            <pc:docMk/>
+            <pc:sldMk cId="4122639925" sldId="258"/>
+            <ac:cxnSpMk id="13" creationId="{1A36BC76-B3E0-4083-964E-DF0C54B1F516}"/>
+          </ac:cxnSpMkLst>
+        </pc:cxnChg>
+        <pc:cxnChg chg="add del mod">
+          <ac:chgData name="" userId="16f573a368a04bbe" providerId="LiveId" clId="{A43655FD-37A1-4472-8163-33528CE554C6}" dt="2023-12-06T16:28:21.751" v="753"/>
+          <ac:cxnSpMkLst>
+            <pc:docMk/>
+            <pc:sldMk cId="4122639925" sldId="258"/>
+            <ac:cxnSpMk id="18" creationId="{BF87CAB3-3F3A-4EE2-81B3-367DDB4AA0FA}"/>
+          </ac:cxnSpMkLst>
+        </pc:cxnChg>
+        <pc:cxnChg chg="add del mod">
+          <ac:chgData name="" userId="16f573a368a04bbe" providerId="LiveId" clId="{A43655FD-37A1-4472-8163-33528CE554C6}" dt="2024-01-10T15:13:39.819" v="829" actId="478"/>
+          <ac:cxnSpMkLst>
+            <pc:docMk/>
+            <pc:sldMk cId="4122639925" sldId="258"/>
+            <ac:cxnSpMk id="21" creationId="{E1352B66-C216-4B4F-B0A3-F64F17CBE58D}"/>
+          </ac:cxnSpMkLst>
+        </pc:cxnChg>
+        <pc:cxnChg chg="add mod">
+          <ac:chgData name="" userId="16f573a368a04bbe" providerId="LiveId" clId="{A43655FD-37A1-4472-8163-33528CE554C6}" dt="2024-01-10T15:20:00.557" v="901" actId="14100"/>
+          <ac:cxnSpMkLst>
+            <pc:docMk/>
+            <pc:sldMk cId="4122639925" sldId="258"/>
+            <ac:cxnSpMk id="38" creationId="{C8A011FF-9268-40CE-AE65-661323BE5C41}"/>
+          </ac:cxnSpMkLst>
+        </pc:cxnChg>
+        <pc:cxnChg chg="add del mod">
+          <ac:chgData name="" userId="16f573a368a04bbe" providerId="LiveId" clId="{A43655FD-37A1-4472-8163-33528CE554C6}" dt="2024-01-10T15:19:25.600" v="891" actId="478"/>
+          <ac:cxnSpMkLst>
+            <pc:docMk/>
+            <pc:sldMk cId="4122639925" sldId="258"/>
+            <ac:cxnSpMk id="42" creationId="{016EE8DE-B571-4920-9B51-B16B21255A15}"/>
+          </ac:cxnSpMkLst>
+        </pc:cxnChg>
+      </pc:sldChg>
+      <pc:sldChg chg="addSp delSp modSp add">
+        <pc:chgData name="" userId="16f573a368a04bbe" providerId="LiveId" clId="{A43655FD-37A1-4472-8163-33528CE554C6}" dt="2024-01-10T15:37:20.122" v="1032" actId="478"/>
         <pc:sldMkLst>
           <pc:docMk/>
           <pc:sldMk cId="2159839041" sldId="259"/>
         </pc:sldMkLst>
-        <pc:spChg chg="del">
-          <ac:chgData name="Li Lun Yang" userId="cd9e4155bdfeb2cf" providerId="LiveId" clId="{7D54F857-1BF0-459D-9660-CC0D5A0EED32}" dt="2023-12-05T16:01:32.947" v="202"/>
+        <pc:spChg chg="mod">
+          <ac:chgData name="" userId="16f573a368a04bbe" providerId="LiveId" clId="{A43655FD-37A1-4472-8163-33528CE554C6}" dt="2024-01-10T15:21:20.050" v="946" actId="20577"/>
           <ac:spMkLst>
             <pc:docMk/>
             <pc:sldMk cId="2159839041" sldId="259"/>
-            <ac:spMk id="3" creationId="{0DA8C217-AA04-4238-8DBE-884F06DCFEFD}"/>
+            <ac:spMk id="2" creationId="{A7389E9D-0C52-4270-B6CB-34438B74B500}"/>
           </ac:spMkLst>
         </pc:spChg>
-        <pc:spChg chg="add mod">
-          <ac:chgData name="Li Lun Yang" userId="cd9e4155bdfeb2cf" providerId="LiveId" clId="{7D54F857-1BF0-459D-9660-CC0D5A0EED32}" dt="2023-12-05T16:19:36.838" v="281" actId="113"/>
+        <pc:spChg chg="del mod ord">
+          <ac:chgData name="" userId="16f573a368a04bbe" providerId="LiveId" clId="{A43655FD-37A1-4472-8163-33528CE554C6}" dt="2024-01-10T15:20:47.710" v="908" actId="478"/>
           <ac:spMkLst>
             <pc:docMk/>
             <pc:sldMk cId="2159839041" sldId="259"/>
             <ac:spMk id="6" creationId="{F1F01338-BFA3-8CDA-9AC8-0B973DFBE38F}"/>
           </ac:spMkLst>
         </pc:spChg>
-        <pc:spChg chg="add del mod">
-          <ac:chgData name="Li Lun Yang" userId="cd9e4155bdfeb2cf" providerId="LiveId" clId="{7D54F857-1BF0-459D-9660-CC0D5A0EED32}" dt="2023-12-05T16:19:01.436" v="273" actId="478"/>
+        <pc:spChg chg="del">
+          <ac:chgData name="" userId="16f573a368a04bbe" providerId="LiveId" clId="{A43655FD-37A1-4472-8163-33528CE554C6}" dt="2024-01-10T15:20:29.696" v="904" actId="478"/>
           <ac:spMkLst>
             <pc:docMk/>
             <pc:sldMk cId="2159839041" sldId="259"/>
-            <ac:spMk id="16" creationId="{D5F72D1E-E595-91AC-B9B8-97E6595624B9}"/>
+            <ac:spMk id="9" creationId="{333F7509-58AC-B9D0-53F9-60B77D8AEE81}"/>
           </ac:spMkLst>
         </pc:spChg>
-        <pc:spChg chg="add mod">
-          <ac:chgData name="Li Lun Yang" userId="cd9e4155bdfeb2cf" providerId="LiveId" clId="{7D54F857-1BF0-459D-9660-CC0D5A0EED32}" dt="2023-12-05T16:26:22.803" v="306" actId="1076"/>
+        <pc:spChg chg="del">
+          <ac:chgData name="" userId="16f573a368a04bbe" providerId="LiveId" clId="{A43655FD-37A1-4472-8163-33528CE554C6}" dt="2024-01-10T15:20:34.005" v="905" actId="478"/>
           <ac:spMkLst>
             <pc:docMk/>
             <pc:sldMk cId="2159839041" sldId="259"/>
-            <ac:spMk id="20" creationId="{95DD9DDA-7709-B3BF-C307-0E3165386AD2}"/>
+            <ac:spMk id="10" creationId="{1222317F-ECF4-0468-5C40-604AFE29EA4E}"/>
           </ac:spMkLst>
         </pc:spChg>
-        <pc:spChg chg="add mod">
-          <ac:chgData name="Li Lun Yang" userId="cd9e4155bdfeb2cf" providerId="LiveId" clId="{7D54F857-1BF0-459D-9660-CC0D5A0EED32}" dt="2023-12-05T16:26:33.611" v="312" actId="20577"/>
+        <pc:spChg chg="del mod">
+          <ac:chgData name="" userId="16f573a368a04bbe" providerId="LiveId" clId="{A43655FD-37A1-4472-8163-33528CE554C6}" dt="2024-01-10T15:20:29.696" v="904" actId="478"/>
+          <ac:spMkLst>
+            <pc:docMk/>
+            <pc:sldMk cId="2159839041" sldId="259"/>
+            <ac:spMk id="11" creationId="{DFE27909-BA3F-FB62-1DCD-3208DAC02BDD}"/>
+          </ac:spMkLst>
+        </pc:spChg>
+        <pc:spChg chg="del mod">
+          <ac:chgData name="" userId="16f573a368a04bbe" providerId="LiveId" clId="{A43655FD-37A1-4472-8163-33528CE554C6}" dt="2024-01-10T15:20:34.005" v="905" actId="478"/>
+          <ac:spMkLst>
+            <pc:docMk/>
+            <pc:sldMk cId="2159839041" sldId="259"/>
+            <ac:spMk id="12" creationId="{14E3078F-E041-1761-F5A7-986352583EA0}"/>
+          </ac:spMkLst>
+        </pc:spChg>
+        <pc:spChg chg="del mod">
+          <ac:chgData name="" userId="16f573a368a04bbe" providerId="LiveId" clId="{A43655FD-37A1-4472-8163-33528CE554C6}" dt="2024-01-10T15:20:29.696" v="904" actId="478"/>
+          <ac:spMkLst>
+            <pc:docMk/>
+            <pc:sldMk cId="2159839041" sldId="259"/>
+            <ac:spMk id="13" creationId="{12BA05C1-9CAD-6171-5DB8-C6CA24F51B13}"/>
+          </ac:spMkLst>
+        </pc:spChg>
+        <pc:spChg chg="del mod">
+          <ac:chgData name="" userId="16f573a368a04bbe" providerId="LiveId" clId="{A43655FD-37A1-4472-8163-33528CE554C6}" dt="2024-01-10T15:20:34.005" v="905" actId="478"/>
+          <ac:spMkLst>
+            <pc:docMk/>
+            <pc:sldMk cId="2159839041" sldId="259"/>
+            <ac:spMk id="15" creationId="{1C108DEB-F854-54B8-D2B3-39EF8C90FCF9}"/>
+          </ac:spMkLst>
+        </pc:spChg>
+        <pc:spChg chg="add del mod">
+          <ac:chgData name="" userId="16f573a368a04bbe" providerId="LiveId" clId="{A43655FD-37A1-4472-8163-33528CE554C6}" dt="2024-01-10T15:20:29.696" v="904" actId="478"/>
+          <ac:spMkLst>
+            <pc:docMk/>
+            <pc:sldMk cId="2159839041" sldId="259"/>
+            <ac:spMk id="19" creationId="{4EE460D0-3587-46CB-84D6-67CC0D2734E6}"/>
+          </ac:spMkLst>
+        </pc:spChg>
+        <pc:spChg chg="del">
+          <ac:chgData name="" userId="16f573a368a04bbe" providerId="LiveId" clId="{A43655FD-37A1-4472-8163-33528CE554C6}" dt="2024-01-10T15:35:15.189" v="1016" actId="478"/>
           <ac:spMkLst>
             <pc:docMk/>
             <pc:sldMk cId="2159839041" sldId="259"/>
             <ac:spMk id="21" creationId="{EF59332B-F65A-57AD-21EE-E2818B235EB5}"/>
           </ac:spMkLst>
         </pc:spChg>
-        <pc:picChg chg="add del mod">
-          <ac:chgData name="Li Lun Yang" userId="cd9e4155bdfeb2cf" providerId="LiveId" clId="{7D54F857-1BF0-459D-9660-CC0D5A0EED32}" dt="2023-12-05T16:18:56.524" v="272" actId="478"/>
+        <pc:spChg chg="add del mod">
+          <ac:chgData name="" userId="16f573a368a04bbe" providerId="LiveId" clId="{A43655FD-37A1-4472-8163-33528CE554C6}" dt="2024-01-10T15:20:34.005" v="905" actId="478"/>
+          <ac:spMkLst>
+            <pc:docMk/>
+            <pc:sldMk cId="2159839041" sldId="259"/>
+            <ac:spMk id="24" creationId="{C021A95C-DB8A-40F7-9AC9-F9BC1F4308E9}"/>
+          </ac:spMkLst>
+        </pc:spChg>
+        <pc:spChg chg="add mod">
+          <ac:chgData name="" userId="16f573a368a04bbe" providerId="LiveId" clId="{A43655FD-37A1-4472-8163-33528CE554C6}" dt="2024-01-10T15:20:16.018" v="903" actId="1076"/>
+          <ac:spMkLst>
+            <pc:docMk/>
+            <pc:sldMk cId="2159839041" sldId="259"/>
+            <ac:spMk id="25" creationId="{886E6B23-4CE9-4A70-A003-EFAB0547F04D}"/>
+          </ac:spMkLst>
+        </pc:spChg>
+        <pc:spChg chg="add">
+          <ac:chgData name="" userId="16f573a368a04bbe" providerId="LiveId" clId="{A43655FD-37A1-4472-8163-33528CE554C6}" dt="2024-01-10T15:35:09.039" v="1013"/>
+          <ac:spMkLst>
+            <pc:docMk/>
+            <pc:sldMk cId="2159839041" sldId="259"/>
+            <ac:spMk id="28" creationId="{E7EBB894-D68A-4599-B544-D82ADB830B12}"/>
+          </ac:spMkLst>
+        </pc:spChg>
+        <pc:picChg chg="add mod ord">
+          <ac:chgData name="" userId="16f573a368a04bbe" providerId="LiveId" clId="{A43655FD-37A1-4472-8163-33528CE554C6}" dt="2024-01-10T15:24:08.603" v="963" actId="1037"/>
           <ac:picMkLst>
             <pc:docMk/>
             <pc:sldMk cId="2159839041" sldId="259"/>
-            <ac:picMk id="5" creationId="{A28B5E0B-1EEB-880C-28A6-DAC13A972377}"/>
+            <ac:picMk id="3" creationId="{A2642B08-3487-424A-B58C-FFF4F678BEE6}"/>
           </ac:picMkLst>
         </pc:picChg>
-        <pc:picChg chg="add del mod">
-          <ac:chgData name="Li Lun Yang" userId="cd9e4155bdfeb2cf" providerId="LiveId" clId="{7D54F857-1BF0-459D-9660-CC0D5A0EED32}" dt="2023-12-05T16:14:04.367" v="249" actId="478"/>
+        <pc:picChg chg="del mod">
+          <ac:chgData name="" userId="16f573a368a04bbe" providerId="LiveId" clId="{A43655FD-37A1-4472-8163-33528CE554C6}" dt="2024-01-10T15:20:29.696" v="904" actId="478"/>
           <ac:picMkLst>
             <pc:docMk/>
             <pc:sldMk cId="2159839041" sldId="259"/>
-            <ac:picMk id="8" creationId="{A4D101F3-A81C-2BB6-3D3A-4B90EDC190FE}"/>
+            <ac:picMk id="7" creationId="{EE4AC8BA-BAE5-3DCF-14F9-486B12AF29D0}"/>
           </ac:picMkLst>
         </pc:picChg>
-        <pc:picChg chg="add del mod">
-          <ac:chgData name="Li Lun Yang" userId="cd9e4155bdfeb2cf" providerId="LiveId" clId="{7D54F857-1BF0-459D-9660-CC0D5A0EED32}" dt="2023-12-05T16:14:13.903" v="254" actId="478"/>
+        <pc:picChg chg="add mod ord">
+          <ac:chgData name="" userId="16f573a368a04bbe" providerId="LiveId" clId="{A43655FD-37A1-4472-8163-33528CE554C6}" dt="2024-01-10T15:24:43.428" v="968" actId="167"/>
           <ac:picMkLst>
             <pc:docMk/>
             <pc:sldMk cId="2159839041" sldId="259"/>
-            <ac:picMk id="10" creationId="{1BC2A247-4506-0D0C-4A34-DF60BD039952}"/>
+            <ac:picMk id="8" creationId="{53FD3A71-6DAF-4036-9F49-BDF0EF4913FF}"/>
           </ac:picMkLst>
         </pc:picChg>
-        <pc:picChg chg="add del mod">
-          <ac:chgData name="Li Lun Yang" userId="cd9e4155bdfeb2cf" providerId="LiveId" clId="{7D54F857-1BF0-459D-9660-CC0D5A0EED32}" dt="2023-12-05T16:18:45.771" v="266" actId="478"/>
-          <ac:picMkLst>
-            <pc:docMk/>
-            <pc:sldMk cId="2159839041" sldId="259"/>
-            <ac:picMk id="12" creationId="{65264F76-EA1F-4935-B64C-60590F51B272}"/>
-          </ac:picMkLst>
-        </pc:picChg>
-        <pc:picChg chg="add mod">
-          <ac:chgData name="Li Lun Yang" userId="cd9e4155bdfeb2cf" providerId="LiveId" clId="{7D54F857-1BF0-459D-9660-CC0D5A0EED32}" dt="2023-12-05T16:19:17.684" v="277" actId="1076"/>
+        <pc:picChg chg="del">
+          <ac:chgData name="" userId="16f573a368a04bbe" providerId="LiveId" clId="{A43655FD-37A1-4472-8163-33528CE554C6}" dt="2024-01-10T15:20:29.696" v="904" actId="478"/>
           <ac:picMkLst>
             <pc:docMk/>
             <pc:sldMk cId="2159839041" sldId="259"/>
             <ac:picMk id="14" creationId="{702498BA-B109-9181-2782-E61DB06D1751}"/>
           </ac:picMkLst>
         </pc:picChg>
-        <pc:picChg chg="add mod">
-          <ac:chgData name="Li Lun Yang" userId="cd9e4155bdfeb2cf" providerId="LiveId" clId="{7D54F857-1BF0-459D-9660-CC0D5A0EED32}" dt="2023-12-05T16:19:17.684" v="277" actId="1076"/>
+        <pc:picChg chg="add del">
+          <ac:chgData name="" userId="16f573a368a04bbe" providerId="LiveId" clId="{A43655FD-37A1-4472-8163-33528CE554C6}" dt="2024-01-10T15:37:20.122" v="1032" actId="478"/>
+          <ac:picMkLst>
+            <pc:docMk/>
+            <pc:sldMk cId="2159839041" sldId="259"/>
+            <ac:picMk id="16" creationId="{8C3EFC9B-2232-427D-ABAC-DA202138F91E}"/>
+          </ac:picMkLst>
+        </pc:picChg>
+        <pc:picChg chg="del">
+          <ac:chgData name="" userId="16f573a368a04bbe" providerId="LiveId" clId="{A43655FD-37A1-4472-8163-33528CE554C6}" dt="2024-01-10T15:20:34.005" v="905" actId="478"/>
           <ac:picMkLst>
             <pc:docMk/>
             <pc:sldMk cId="2159839041" sldId="259"/>
@@ -1148,51 +952,247 @@
           </ac:picMkLst>
         </pc:picChg>
         <pc:picChg chg="add del mod">
-          <ac:chgData name="Li Lun Yang" userId="cd9e4155bdfeb2cf" providerId="LiveId" clId="{7D54F857-1BF0-459D-9660-CC0D5A0EED32}" dt="2023-12-05T16:26:52.754" v="313" actId="478"/>
+          <ac:chgData name="" userId="16f573a368a04bbe" providerId="LiveId" clId="{A43655FD-37A1-4472-8163-33528CE554C6}" dt="2024-01-10T15:20:29.696" v="904" actId="478"/>
           <ac:picMkLst>
             <pc:docMk/>
             <pc:sldMk cId="2159839041" sldId="259"/>
-            <ac:picMk id="19" creationId="{0C181EF9-A7FA-0794-5791-30060E29ACA1}"/>
+            <ac:picMk id="18" creationId="{476A561A-5864-4E14-B7C6-BD32017DDA8E}"/>
           </ac:picMkLst>
         </pc:picChg>
-        <pc:picChg chg="add mod">
-          <ac:chgData name="Li Lun Yang" userId="cd9e4155bdfeb2cf" providerId="LiveId" clId="{7D54F857-1BF0-459D-9660-CC0D5A0EED32}" dt="2023-12-05T16:31:56.898" v="334" actId="1076"/>
+        <pc:picChg chg="add del mod">
+          <ac:chgData name="" userId="16f573a368a04bbe" providerId="LiveId" clId="{A43655FD-37A1-4472-8163-33528CE554C6}" dt="2024-01-10T15:20:34.005" v="905" actId="478"/>
+          <ac:picMkLst>
+            <pc:docMk/>
+            <pc:sldMk cId="2159839041" sldId="259"/>
+            <ac:picMk id="22" creationId="{10AB5D39-6323-4127-9CB0-0802AF034B71}"/>
+          </ac:picMkLst>
+        </pc:picChg>
+        <pc:picChg chg="del">
+          <ac:chgData name="" userId="16f573a368a04bbe" providerId="LiveId" clId="{A43655FD-37A1-4472-8163-33528CE554C6}" dt="2024-01-10T15:20:34.005" v="905" actId="478"/>
           <ac:picMkLst>
             <pc:docMk/>
             <pc:sldMk cId="2159839041" sldId="259"/>
             <ac:picMk id="23" creationId="{7967381C-FCA2-4E6D-D25B-56CEEC2A6D9F}"/>
           </ac:picMkLst>
         </pc:picChg>
+        <pc:cxnChg chg="add del">
+          <ac:chgData name="" userId="16f573a368a04bbe" providerId="LiveId" clId="{A43655FD-37A1-4472-8163-33528CE554C6}" dt="2024-01-10T15:23:17.829" v="948"/>
+          <ac:cxnSpMkLst>
+            <pc:docMk/>
+            <pc:sldMk cId="2159839041" sldId="259"/>
+            <ac:cxnSpMk id="26" creationId="{85426A31-711D-4812-9A4D-C0BEEB954A24}"/>
+          </ac:cxnSpMkLst>
+        </pc:cxnChg>
+        <pc:cxnChg chg="add del">
+          <ac:chgData name="" userId="16f573a368a04bbe" providerId="LiveId" clId="{A43655FD-37A1-4472-8163-33528CE554C6}" dt="2024-01-10T15:23:24.407" v="950" actId="478"/>
+          <ac:cxnSpMkLst>
+            <pc:docMk/>
+            <pc:sldMk cId="2159839041" sldId="259"/>
+            <ac:cxnSpMk id="27" creationId="{D174BD63-8781-475E-B855-EBDE62810928}"/>
+          </ac:cxnSpMkLst>
+        </pc:cxnChg>
       </pc:sldChg>
-    </pc:docChg>
-  </pc:docChgLst>
-  <pc:docChgLst>
-    <pc:chgData name="黃 敬霖" userId="16f573a368a04bbe" providerId="Windows Live" clId="Web-{D0212CCA-7303-4392-AA44-EFAE0578BF89}"/>
-    <pc:docChg chg="modSld">
-      <pc:chgData name="黃 敬霖" userId="16f573a368a04bbe" providerId="Windows Live" clId="Web-{D0212CCA-7303-4392-AA44-EFAE0578BF89}" dt="2023-12-05T15:44:22.911" v="161"/>
-      <pc:docMkLst>
-        <pc:docMk/>
-      </pc:docMkLst>
-      <pc:sldChg chg="addSp delSp modSp">
-        <pc:chgData name="黃 敬霖" userId="16f573a368a04bbe" providerId="Windows Live" clId="Web-{D0212CCA-7303-4392-AA44-EFAE0578BF89}" dt="2023-12-05T15:44:22.911" v="161"/>
+      <pc:sldChg chg="addSp delSp modSp add">
+        <pc:chgData name="" userId="16f573a368a04bbe" providerId="LiveId" clId="{A43655FD-37A1-4472-8163-33528CE554C6}" dt="2024-01-10T15:35:02.874" v="1011" actId="1076"/>
         <pc:sldMkLst>
           <pc:docMk/>
-          <pc:sldMk cId="1816999769" sldId="257"/>
+          <pc:sldMk cId="911098629" sldId="260"/>
         </pc:sldMkLst>
-        <pc:spChg chg="del">
-          <ac:chgData name="黃 敬霖" userId="16f573a368a04bbe" providerId="Windows Live" clId="Web-{D0212CCA-7303-4392-AA44-EFAE0578BF89}" dt="2023-12-05T15:39:51.468" v="0"/>
+        <pc:spChg chg="mod">
+          <ac:chgData name="" userId="16f573a368a04bbe" providerId="LiveId" clId="{A43655FD-37A1-4472-8163-33528CE554C6}" dt="2024-01-10T15:35:02.874" v="1011" actId="1076"/>
           <ac:spMkLst>
             <pc:docMk/>
-            <pc:sldMk cId="1816999769" sldId="257"/>
-            <ac:spMk id="3" creationId="{0DA8C217-AA04-4238-8DBE-884F06DCFEFD}"/>
+            <pc:sldMk cId="911098629" sldId="260"/>
+            <ac:spMk id="21" creationId="{EF59332B-F65A-57AD-21EE-E2818B235EB5}"/>
           </ac:spMkLst>
         </pc:spChg>
-        <pc:spChg chg="add del mod">
-          <ac:chgData name="黃 敬霖" userId="16f573a368a04bbe" providerId="Windows Live" clId="Web-{D0212CCA-7303-4392-AA44-EFAE0578BF89}" dt="2023-12-05T15:44:22.911" v="161"/>
+        <pc:picChg chg="del">
+          <ac:chgData name="" userId="16f573a368a04bbe" providerId="LiveId" clId="{A43655FD-37A1-4472-8163-33528CE554C6}" dt="2024-01-10T15:30:13.883" v="976" actId="478"/>
+          <ac:picMkLst>
+            <pc:docMk/>
+            <pc:sldMk cId="911098629" sldId="260"/>
+            <ac:picMk id="3" creationId="{A2642B08-3487-424A-B58C-FFF4F678BEE6}"/>
+          </ac:picMkLst>
+        </pc:picChg>
+        <pc:picChg chg="add del mod modCrop">
+          <ac:chgData name="" userId="16f573a368a04bbe" providerId="LiveId" clId="{A43655FD-37A1-4472-8163-33528CE554C6}" dt="2024-01-10T15:30:31.139" v="983" actId="478"/>
+          <ac:picMkLst>
+            <pc:docMk/>
+            <pc:sldMk cId="911098629" sldId="260"/>
+            <ac:picMk id="6" creationId="{D3D88949-95BA-49FB-9415-714A2F3AB1B5}"/>
+          </ac:picMkLst>
+        </pc:picChg>
+        <pc:picChg chg="add del">
+          <ac:chgData name="" userId="16f573a368a04bbe" providerId="LiveId" clId="{A43655FD-37A1-4472-8163-33528CE554C6}" dt="2024-01-10T15:30:45.821" v="985" actId="478"/>
+          <ac:picMkLst>
+            <pc:docMk/>
+            <pc:sldMk cId="911098629" sldId="260"/>
+            <ac:picMk id="7" creationId="{BB7A66C8-87D2-4CF0-AC32-21082419B1A6}"/>
+          </ac:picMkLst>
+        </pc:picChg>
+        <pc:picChg chg="del">
+          <ac:chgData name="" userId="16f573a368a04bbe" providerId="LiveId" clId="{A43655FD-37A1-4472-8163-33528CE554C6}" dt="2024-01-10T15:32:39.139" v="999" actId="478"/>
+          <ac:picMkLst>
+            <pc:docMk/>
+            <pc:sldMk cId="911098629" sldId="260"/>
+            <ac:picMk id="8" creationId="{53FD3A71-6DAF-4036-9F49-BDF0EF4913FF}"/>
+          </ac:picMkLst>
+        </pc:picChg>
+        <pc:picChg chg="add del">
+          <ac:chgData name="" userId="16f573a368a04bbe" providerId="LiveId" clId="{A43655FD-37A1-4472-8163-33528CE554C6}" dt="2024-01-10T15:30:54.168" v="987" actId="478"/>
+          <ac:picMkLst>
+            <pc:docMk/>
+            <pc:sldMk cId="911098629" sldId="260"/>
+            <ac:picMk id="9" creationId="{767BD029-8BD6-4A1C-9311-BE60C6F31A98}"/>
+          </ac:picMkLst>
+        </pc:picChg>
+        <pc:picChg chg="add del">
+          <ac:chgData name="" userId="16f573a368a04bbe" providerId="LiveId" clId="{A43655FD-37A1-4472-8163-33528CE554C6}" dt="2024-01-10T15:31:10.889" v="989"/>
+          <ac:picMkLst>
+            <pc:docMk/>
+            <pc:sldMk cId="911098629" sldId="260"/>
+            <ac:picMk id="10" creationId="{4640E4E9-4D8E-423E-A830-A473612DBBC6}"/>
+          </ac:picMkLst>
+        </pc:picChg>
+        <pc:picChg chg="add del">
+          <ac:chgData name="" userId="16f573a368a04bbe" providerId="LiveId" clId="{A43655FD-37A1-4472-8163-33528CE554C6}" dt="2024-01-10T15:31:14.996" v="991" actId="478"/>
+          <ac:picMkLst>
+            <pc:docMk/>
+            <pc:sldMk cId="911098629" sldId="260"/>
+            <ac:picMk id="11" creationId="{29A7180C-22DB-4CBA-975B-E4441CA63314}"/>
+          </ac:picMkLst>
+        </pc:picChg>
+        <pc:picChg chg="add mod ord">
+          <ac:chgData name="" userId="16f573a368a04bbe" providerId="LiveId" clId="{A43655FD-37A1-4472-8163-33528CE554C6}" dt="2024-01-10T15:31:53.162" v="998" actId="167"/>
+          <ac:picMkLst>
+            <pc:docMk/>
+            <pc:sldMk cId="911098629" sldId="260"/>
+            <ac:picMk id="12" creationId="{D287E201-654E-4961-9FD1-0070DA53B4CC}"/>
+          </ac:picMkLst>
+        </pc:picChg>
+        <pc:picChg chg="add del">
+          <ac:chgData name="" userId="16f573a368a04bbe" providerId="LiveId" clId="{A43655FD-37A1-4472-8163-33528CE554C6}" dt="2024-01-10T15:32:41.456" v="1001" actId="478"/>
+          <ac:picMkLst>
+            <pc:docMk/>
+            <pc:sldMk cId="911098629" sldId="260"/>
+            <ac:picMk id="13" creationId="{674BA1A8-CB1D-4903-87F7-08B1682ED503}"/>
+          </ac:picMkLst>
+        </pc:picChg>
+        <pc:picChg chg="add mod ord">
+          <ac:chgData name="" userId="16f573a368a04bbe" providerId="LiveId" clId="{A43655FD-37A1-4472-8163-33528CE554C6}" dt="2024-01-10T15:33:09.795" v="1009" actId="167"/>
+          <ac:picMkLst>
+            <pc:docMk/>
+            <pc:sldMk cId="911098629" sldId="260"/>
+            <ac:picMk id="14" creationId="{606B8CE2-E87A-460D-973C-ED16ADFF1833}"/>
+          </ac:picMkLst>
+        </pc:picChg>
+      </pc:sldChg>
+      <pc:sldChg chg="addSp delSp modSp add">
+        <pc:chgData name="" userId="16f573a368a04bbe" providerId="LiveId" clId="{A43655FD-37A1-4472-8163-33528CE554C6}" dt="2024-01-10T15:35:59.234" v="1029" actId="167"/>
+        <pc:sldMkLst>
+          <pc:docMk/>
+          <pc:sldMk cId="2265956620" sldId="261"/>
+        </pc:sldMkLst>
+        <pc:spChg chg="add">
+          <ac:chgData name="" userId="16f573a368a04bbe" providerId="LiveId" clId="{A43655FD-37A1-4472-8163-33528CE554C6}" dt="2024-01-10T15:35:08.001" v="1012"/>
           <ac:spMkLst>
             <pc:docMk/>
-            <pc:sldMk cId="1816999769" sldId="257"/>
-            <ac:spMk id="4" creationId="{1098D408-9A88-ADBE-B156-15955C04CFE1}"/>
+            <pc:sldMk cId="2265956620" sldId="261"/>
+            <ac:spMk id="10" creationId="{91048FEF-0C66-4EF4-872D-2163083CC330}"/>
+          </ac:spMkLst>
+        </pc:spChg>
+        <pc:spChg chg="del mod">
+          <ac:chgData name="" userId="16f573a368a04bbe" providerId="LiveId" clId="{A43655FD-37A1-4472-8163-33528CE554C6}" dt="2024-01-10T15:35:12.487" v="1015" actId="478"/>
+          <ac:spMkLst>
+            <pc:docMk/>
+            <pc:sldMk cId="2265956620" sldId="261"/>
+            <ac:spMk id="21" creationId="{EF59332B-F65A-57AD-21EE-E2818B235EB5}"/>
+          </ac:spMkLst>
+        </pc:spChg>
+        <pc:picChg chg="add mod ord">
+          <ac:chgData name="" userId="16f573a368a04bbe" providerId="LiveId" clId="{A43655FD-37A1-4472-8163-33528CE554C6}" dt="2024-01-10T15:35:42.382" v="1023" actId="167"/>
+          <ac:picMkLst>
+            <pc:docMk/>
+            <pc:sldMk cId="2265956620" sldId="261"/>
+            <ac:picMk id="3" creationId="{9B22ABCD-05C7-493D-80D6-39ED24718B63}"/>
+          </ac:picMkLst>
+        </pc:picChg>
+        <pc:picChg chg="add mod ord">
+          <ac:chgData name="" userId="16f573a368a04bbe" providerId="LiveId" clId="{A43655FD-37A1-4472-8163-33528CE554C6}" dt="2024-01-10T15:35:59.234" v="1029" actId="167"/>
+          <ac:picMkLst>
+            <pc:docMk/>
+            <pc:sldMk cId="2265956620" sldId="261"/>
+            <ac:picMk id="6" creationId="{E3E788E0-357F-4895-B521-C4CD79F81A17}"/>
+          </ac:picMkLst>
+        </pc:picChg>
+        <pc:picChg chg="del">
+          <ac:chgData name="" userId="16f573a368a04bbe" providerId="LiveId" clId="{A43655FD-37A1-4472-8163-33528CE554C6}" dt="2024-01-10T15:35:30.107" v="1017" actId="478"/>
+          <ac:picMkLst>
+            <pc:docMk/>
+            <pc:sldMk cId="2265956620" sldId="261"/>
+            <ac:picMk id="12" creationId="{D287E201-654E-4961-9FD1-0070DA53B4CC}"/>
+          </ac:picMkLst>
+        </pc:picChg>
+        <pc:picChg chg="del">
+          <ac:chgData name="" userId="16f573a368a04bbe" providerId="LiveId" clId="{A43655FD-37A1-4472-8163-33528CE554C6}" dt="2024-01-10T15:35:44.390" v="1024" actId="478"/>
+          <ac:picMkLst>
+            <pc:docMk/>
+            <pc:sldMk cId="2265956620" sldId="261"/>
+            <ac:picMk id="14" creationId="{606B8CE2-E87A-460D-973C-ED16ADFF1833}"/>
+          </ac:picMkLst>
+        </pc:picChg>
+      </pc:sldChg>
+      <pc:sldChg chg="addSp delSp modSp add">
+        <pc:chgData name="" userId="16f573a368a04bbe" providerId="LiveId" clId="{A43655FD-37A1-4472-8163-33528CE554C6}" dt="2024-01-10T15:37:37.468" v="1041" actId="167"/>
+        <pc:sldMkLst>
+          <pc:docMk/>
+          <pc:sldMk cId="1155915326" sldId="262"/>
+        </pc:sldMkLst>
+        <pc:picChg chg="del">
+          <ac:chgData name="" userId="16f573a368a04bbe" providerId="LiveId" clId="{A43655FD-37A1-4472-8163-33528CE554C6}" dt="2024-01-10T15:37:22.806" v="1033" actId="478"/>
+          <ac:picMkLst>
+            <pc:docMk/>
+            <pc:sldMk cId="1155915326" sldId="262"/>
+            <ac:picMk id="3" creationId="{A2642B08-3487-424A-B58C-FFF4F678BEE6}"/>
+          </ac:picMkLst>
+        </pc:picChg>
+        <pc:picChg chg="del">
+          <ac:chgData name="" userId="16f573a368a04bbe" providerId="LiveId" clId="{A43655FD-37A1-4472-8163-33528CE554C6}" dt="2024-01-10T15:37:29.720" v="1037" actId="478"/>
+          <ac:picMkLst>
+            <pc:docMk/>
+            <pc:sldMk cId="1155915326" sldId="262"/>
+            <ac:picMk id="8" creationId="{53FD3A71-6DAF-4036-9F49-BDF0EF4913FF}"/>
+          </ac:picMkLst>
+        </pc:picChg>
+        <pc:picChg chg="add mod ord">
+          <ac:chgData name="" userId="16f573a368a04bbe" providerId="LiveId" clId="{A43655FD-37A1-4472-8163-33528CE554C6}" dt="2024-01-10T15:37:37.468" v="1041" actId="167"/>
+          <ac:picMkLst>
+            <pc:docMk/>
+            <pc:sldMk cId="1155915326" sldId="262"/>
+            <ac:picMk id="11" creationId="{0F634D7F-DC7B-4A58-AC4C-9F7DED4F375E}"/>
+          </ac:picMkLst>
+        </pc:picChg>
+        <pc:picChg chg="mod ord">
+          <ac:chgData name="" userId="16f573a368a04bbe" providerId="LiveId" clId="{A43655FD-37A1-4472-8163-33528CE554C6}" dt="2024-01-10T15:37:35.747" v="1040" actId="167"/>
+          <ac:picMkLst>
+            <pc:docMk/>
+            <pc:sldMk cId="1155915326" sldId="262"/>
+            <ac:picMk id="16" creationId="{8C3EFC9B-2232-427D-ABAC-DA202138F91E}"/>
+          </ac:picMkLst>
+        </pc:picChg>
+      </pc:sldChg>
+      <pc:sldChg chg="modSp add">
+        <pc:chgData name="" userId="16f573a368a04bbe" providerId="LiveId" clId="{A43655FD-37A1-4472-8163-33528CE554C6}" dt="2024-01-10T16:09:28.744" v="1548" actId="20577"/>
+        <pc:sldMkLst>
+          <pc:docMk/>
+          <pc:sldMk cId="3550106951" sldId="263"/>
+        </pc:sldMkLst>
+        <pc:spChg chg="mod">
+          <ac:chgData name="" userId="16f573a368a04bbe" providerId="LiveId" clId="{A43655FD-37A1-4472-8163-33528CE554C6}" dt="2024-01-10T16:09:28.744" v="1548" actId="20577"/>
+          <ac:spMkLst>
+            <pc:docMk/>
+            <pc:sldMk cId="3550106951" sldId="263"/>
+            <ac:spMk id="3" creationId="{8B0DCFB9-1D20-4CC0-BAEE-8F0B9849EC6A}"/>
           </ac:spMkLst>
         </pc:spChg>
       </pc:sldChg>
@@ -1348,7 +1348,7 @@
           <a:p>
             <a:fld id="{42E3F920-F0F7-4ED5-A1AE-D5E9F9C63538}" type="datetimeFigureOut">
               <a:rPr lang="zh-TW" altLang="en-US" smtClean="0"/>
-              <a:t>2024/1/11</a:t>
+              <a:t>2025/9/28</a:t>
             </a:fld>
             <a:endParaRPr lang="zh-TW" altLang="en-US"/>
           </a:p>
@@ -1546,7 +1546,7 @@
           <a:p>
             <a:fld id="{42E3F920-F0F7-4ED5-A1AE-D5E9F9C63538}" type="datetimeFigureOut">
               <a:rPr lang="zh-TW" altLang="en-US" smtClean="0"/>
-              <a:t>2024/1/11</a:t>
+              <a:t>2025/9/28</a:t>
             </a:fld>
             <a:endParaRPr lang="zh-TW" altLang="en-US"/>
           </a:p>
@@ -1754,7 +1754,7 @@
           <a:p>
             <a:fld id="{42E3F920-F0F7-4ED5-A1AE-D5E9F9C63538}" type="datetimeFigureOut">
               <a:rPr lang="zh-TW" altLang="en-US" smtClean="0"/>
-              <a:t>2024/1/11</a:t>
+              <a:t>2025/9/28</a:t>
             </a:fld>
             <a:endParaRPr lang="zh-TW" altLang="en-US"/>
           </a:p>
@@ -1952,7 +1952,7 @@
           <a:p>
             <a:fld id="{42E3F920-F0F7-4ED5-A1AE-D5E9F9C63538}" type="datetimeFigureOut">
               <a:rPr lang="zh-TW" altLang="en-US" smtClean="0"/>
-              <a:t>2024/1/11</a:t>
+              <a:t>2025/9/28</a:t>
             </a:fld>
             <a:endParaRPr lang="zh-TW" altLang="en-US"/>
           </a:p>
@@ -2227,7 +2227,7 @@
           <a:p>
             <a:fld id="{42E3F920-F0F7-4ED5-A1AE-D5E9F9C63538}" type="datetimeFigureOut">
               <a:rPr lang="zh-TW" altLang="en-US" smtClean="0"/>
-              <a:t>2024/1/11</a:t>
+              <a:t>2025/9/28</a:t>
             </a:fld>
             <a:endParaRPr lang="zh-TW" altLang="en-US"/>
           </a:p>
@@ -2492,7 +2492,7 @@
           <a:p>
             <a:fld id="{42E3F920-F0F7-4ED5-A1AE-D5E9F9C63538}" type="datetimeFigureOut">
               <a:rPr lang="zh-TW" altLang="en-US" smtClean="0"/>
-              <a:t>2024/1/11</a:t>
+              <a:t>2025/9/28</a:t>
             </a:fld>
             <a:endParaRPr lang="zh-TW" altLang="en-US"/>
           </a:p>
@@ -2904,7 +2904,7 @@
           <a:p>
             <a:fld id="{42E3F920-F0F7-4ED5-A1AE-D5E9F9C63538}" type="datetimeFigureOut">
               <a:rPr lang="zh-TW" altLang="en-US" smtClean="0"/>
-              <a:t>2024/1/11</a:t>
+              <a:t>2025/9/28</a:t>
             </a:fld>
             <a:endParaRPr lang="zh-TW" altLang="en-US"/>
           </a:p>
@@ -3045,7 +3045,7 @@
           <a:p>
             <a:fld id="{42E3F920-F0F7-4ED5-A1AE-D5E9F9C63538}" type="datetimeFigureOut">
               <a:rPr lang="zh-TW" altLang="en-US" smtClean="0"/>
-              <a:t>2024/1/11</a:t>
+              <a:t>2025/9/28</a:t>
             </a:fld>
             <a:endParaRPr lang="zh-TW" altLang="en-US"/>
           </a:p>
@@ -3158,7 +3158,7 @@
           <a:p>
             <a:fld id="{42E3F920-F0F7-4ED5-A1AE-D5E9F9C63538}" type="datetimeFigureOut">
               <a:rPr lang="zh-TW" altLang="en-US" smtClean="0"/>
-              <a:t>2024/1/11</a:t>
+              <a:t>2025/9/28</a:t>
             </a:fld>
             <a:endParaRPr lang="zh-TW" altLang="en-US"/>
           </a:p>
@@ -3469,7 +3469,7 @@
           <a:p>
             <a:fld id="{42E3F920-F0F7-4ED5-A1AE-D5E9F9C63538}" type="datetimeFigureOut">
               <a:rPr lang="zh-TW" altLang="en-US" smtClean="0"/>
-              <a:t>2024/1/11</a:t>
+              <a:t>2025/9/28</a:t>
             </a:fld>
             <a:endParaRPr lang="zh-TW" altLang="en-US"/>
           </a:p>
@@ -3757,7 +3757,7 @@
           <a:p>
             <a:fld id="{42E3F920-F0F7-4ED5-A1AE-D5E9F9C63538}" type="datetimeFigureOut">
               <a:rPr lang="zh-TW" altLang="en-US" smtClean="0"/>
-              <a:t>2024/1/11</a:t>
+              <a:t>2025/9/28</a:t>
             </a:fld>
             <a:endParaRPr lang="zh-TW" altLang="en-US"/>
           </a:p>
@@ -3998,7 +3998,7 @@
           <a:p>
             <a:fld id="{42E3F920-F0F7-4ED5-A1AE-D5E9F9C63538}" type="datetimeFigureOut">
               <a:rPr lang="zh-TW" altLang="en-US" smtClean="0"/>
-              <a:t>2024/1/11</a:t>
+              <a:t>2025/9/28</a:t>
             </a:fld>
             <a:endParaRPr lang="zh-TW" altLang="en-US"/>
           </a:p>
@@ -5375,7 +5375,7 @@
         </p:blipFill>
         <p:spPr>
           <a:xfrm>
-            <a:off x="447852" y="2216729"/>
+            <a:off x="1664838" y="2637572"/>
             <a:ext cx="2324779" cy="2887606"/>
           </a:xfrm>
           <a:prstGeom prst="rect">
@@ -5398,9 +5398,9 @@
           <p:nvPr/>
         </p:nvCxnSpPr>
         <p:spPr>
-          <a:xfrm>
-            <a:off x="2772631" y="2280198"/>
-            <a:ext cx="2399733" cy="378187"/>
+          <a:xfrm flipV="1">
+            <a:off x="3725998" y="2658385"/>
+            <a:ext cx="1446366" cy="318256"/>
           </a:xfrm>
           <a:prstGeom prst="straightConnector1">
             <a:avLst/>
@@ -5441,8 +5441,8 @@
         </p:nvCxnSpPr>
         <p:spPr>
           <a:xfrm flipV="1">
-            <a:off x="1106689" y="2757055"/>
-            <a:ext cx="4989311" cy="219586"/>
+            <a:off x="2225253" y="2757055"/>
+            <a:ext cx="3870747" cy="919728"/>
           </a:xfrm>
           <a:prstGeom prst="straightConnector1">
             <a:avLst/>
